--- a/Testing and Refactoring Node.js.pptx
+++ b/Testing and Refactoring Node.js.pptx
@@ -5,17 +5,20 @@
     <p:sldMasterId id="2147483648" r:id="rId1"/>
   </p:sldMasterIdLst>
   <p:notesMasterIdLst>
-    <p:notesMasterId r:id="rId10"/>
+    <p:notesMasterId r:id="rId13"/>
   </p:notesMasterIdLst>
   <p:sldIdLst>
     <p:sldId id="256" r:id="rId2"/>
-    <p:sldId id="257" r:id="rId3"/>
-    <p:sldId id="266" r:id="rId4"/>
-    <p:sldId id="267" r:id="rId5"/>
-    <p:sldId id="268" r:id="rId6"/>
-    <p:sldId id="269" r:id="rId7"/>
-    <p:sldId id="270" r:id="rId8"/>
-    <p:sldId id="271" r:id="rId9"/>
+    <p:sldId id="272" r:id="rId3"/>
+    <p:sldId id="273" r:id="rId4"/>
+    <p:sldId id="274" r:id="rId5"/>
+    <p:sldId id="257" r:id="rId6"/>
+    <p:sldId id="266" r:id="rId7"/>
+    <p:sldId id="267" r:id="rId8"/>
+    <p:sldId id="268" r:id="rId9"/>
+    <p:sldId id="269" r:id="rId10"/>
+    <p:sldId id="270" r:id="rId11"/>
+    <p:sldId id="271" r:id="rId12"/>
   </p:sldIdLst>
   <p:sldSz cx="24384000" cy="13716000"/>
   <p:notesSz cx="6858000" cy="9144000"/>
@@ -623,230 +626,6 @@
           <a:bodyPr/>
           <a:lstStyle/>
           <a:p>
-            <a:pPr marL="457200" lvl="0" indent="0" algn="just" rtl="0">
-              <a:lnSpc>
-                <a:spcPct val="150000"/>
-              </a:lnSpc>
-              <a:spcBef>
-                <a:spcPts val="0"/>
-              </a:spcBef>
-              <a:spcAft>
-                <a:spcPts val="0"/>
-              </a:spcAft>
-              <a:buClr>
-                <a:schemeClr val="dk1"/>
-              </a:buClr>
-              <a:buSzPts val="1100"/>
-              <a:buFont typeface="Arial"/>
-              <a:buNone/>
-            </a:pPr>
-            <a:r>
-              <a:rPr lang="en-US" sz="2400" dirty="0">
-                <a:solidFill>
-                  <a:schemeClr val="dk1"/>
-                </a:solidFill>
-                <a:latin typeface="Montserrat Light"/>
-                <a:ea typeface="Montserrat Light"/>
-                <a:cs typeface="Montserrat Light"/>
-                <a:sym typeface="Montserrat Light"/>
-              </a:rPr>
-              <a:t>1:</a:t>
-            </a:r>
-          </a:p>
-          <a:p>
-            <a:pPr marL="457200" lvl="0" indent="0" algn="just" rtl="0">
-              <a:lnSpc>
-                <a:spcPct val="150000"/>
-              </a:lnSpc>
-              <a:spcBef>
-                <a:spcPts val="0"/>
-              </a:spcBef>
-              <a:spcAft>
-                <a:spcPts val="0"/>
-              </a:spcAft>
-              <a:buClr>
-                <a:schemeClr val="dk1"/>
-              </a:buClr>
-              <a:buSzPts val="1100"/>
-              <a:buFont typeface="Arial"/>
-              <a:buNone/>
-            </a:pPr>
-            <a:r>
-              <a:rPr lang="en-US" sz="2400" dirty="0">
-                <a:solidFill>
-                  <a:schemeClr val="dk1"/>
-                </a:solidFill>
-                <a:latin typeface="Montserrat Light"/>
-                <a:ea typeface="Montserrat Light"/>
-                <a:cs typeface="Montserrat Light"/>
-                <a:sym typeface="Montserrat Light"/>
-              </a:rPr>
-              <a:t>Your scripts element of the </a:t>
-            </a:r>
-            <a:r>
-              <a:rPr lang="en-US" sz="2400" dirty="0" err="1">
-                <a:solidFill>
-                  <a:schemeClr val="dk1"/>
-                </a:solidFill>
-                <a:latin typeface="Montserrat Light"/>
-                <a:ea typeface="Montserrat Light"/>
-                <a:cs typeface="Montserrat Light"/>
-                <a:sym typeface="Montserrat Light"/>
-              </a:rPr>
-              <a:t>package.json</a:t>
-            </a:r>
-            <a:r>
-              <a:rPr lang="en-US" sz="2400" dirty="0">
-                <a:solidFill>
-                  <a:schemeClr val="dk1"/>
-                </a:solidFill>
-                <a:latin typeface="Montserrat Light"/>
-                <a:ea typeface="Montserrat Light"/>
-                <a:cs typeface="Montserrat Light"/>
-                <a:sym typeface="Montserrat Light"/>
-              </a:rPr>
-              <a:t> file should be updated to show how to run tests. We specify that Mocha will be used as shown below. Mocha will by default treat all JavaScript files in the ‘test’ directory of the app (see the next step) as tests. Therefore, adding this script to your </a:t>
-            </a:r>
-            <a:r>
-              <a:rPr lang="en-US" sz="2400" dirty="0" err="1">
-                <a:solidFill>
-                  <a:schemeClr val="dk1"/>
-                </a:solidFill>
-                <a:latin typeface="Montserrat Light"/>
-                <a:ea typeface="Montserrat Light"/>
-                <a:cs typeface="Montserrat Light"/>
-                <a:sym typeface="Montserrat Light"/>
-              </a:rPr>
-              <a:t>package.json</a:t>
-            </a:r>
-            <a:r>
-              <a:rPr lang="en-US" sz="2400" dirty="0">
-                <a:solidFill>
-                  <a:schemeClr val="dk1"/>
-                </a:solidFill>
-                <a:latin typeface="Montserrat Light"/>
-                <a:ea typeface="Montserrat Light"/>
-                <a:cs typeface="Montserrat Light"/>
-                <a:sym typeface="Montserrat Light"/>
-              </a:rPr>
-              <a:t> file allows you to run any tests you create in the test directory by typing “</a:t>
-            </a:r>
-            <a:r>
-              <a:rPr lang="en-US" sz="2400" dirty="0" err="1">
-                <a:solidFill>
-                  <a:schemeClr val="dk1"/>
-                </a:solidFill>
-                <a:latin typeface="Montserrat Light"/>
-                <a:ea typeface="Montserrat Light"/>
-                <a:cs typeface="Montserrat Light"/>
-                <a:sym typeface="Montserrat Light"/>
-              </a:rPr>
-              <a:t>npm</a:t>
-            </a:r>
-            <a:r>
-              <a:rPr lang="en-US" sz="2400" dirty="0">
-                <a:solidFill>
-                  <a:schemeClr val="dk1"/>
-                </a:solidFill>
-                <a:latin typeface="Montserrat Light"/>
-                <a:ea typeface="Montserrat Light"/>
-                <a:cs typeface="Montserrat Light"/>
-                <a:sym typeface="Montserrat Light"/>
-              </a:rPr>
-              <a:t> test” in the command line interface. </a:t>
-            </a:r>
-          </a:p>
-          <a:p>
-            <a:pPr marL="457200" lvl="0" indent="0" algn="just" rtl="0">
-              <a:lnSpc>
-                <a:spcPct val="150000"/>
-              </a:lnSpc>
-              <a:spcBef>
-                <a:spcPts val="0"/>
-              </a:spcBef>
-              <a:spcAft>
-                <a:spcPts val="0"/>
-              </a:spcAft>
-              <a:buClr>
-                <a:schemeClr val="dk1"/>
-              </a:buClr>
-              <a:buSzPts val="1100"/>
-              <a:buFont typeface="Arial"/>
-              <a:buNone/>
-            </a:pPr>
-            <a:endParaRPr lang="en-US" sz="2400" dirty="0">
-              <a:solidFill>
-                <a:schemeClr val="dk1"/>
-              </a:solidFill>
-              <a:latin typeface="Montserrat Light"/>
-              <a:ea typeface="Montserrat Light"/>
-              <a:cs typeface="Montserrat Light"/>
-              <a:sym typeface="Montserrat Light"/>
-            </a:endParaRPr>
-          </a:p>
-          <a:p>
-            <a:pPr marL="0" lvl="0" indent="0" algn="just" rtl="0">
-              <a:lnSpc>
-                <a:spcPct val="150000"/>
-              </a:lnSpc>
-              <a:spcBef>
-                <a:spcPts val="0"/>
-              </a:spcBef>
-              <a:spcAft>
-                <a:spcPts val="0"/>
-              </a:spcAft>
-              <a:buClr>
-                <a:schemeClr val="dk1"/>
-              </a:buClr>
-              <a:buSzPts val="1100"/>
-              <a:buFont typeface="Arial"/>
-              <a:buNone/>
-            </a:pPr>
-            <a:r>
-              <a:rPr lang="en-US" sz="2400" dirty="0">
-                <a:solidFill>
-                  <a:schemeClr val="dk1"/>
-                </a:solidFill>
-                <a:latin typeface="Montserrat Light"/>
-                <a:ea typeface="Montserrat Light"/>
-                <a:cs typeface="Montserrat Light"/>
-                <a:sym typeface="Montserrat Light"/>
-              </a:rPr>
-              <a:t>2: </a:t>
-            </a:r>
-          </a:p>
-          <a:p>
-            <a:pPr marL="0" lvl="0" indent="0" algn="just" rtl="0">
-              <a:lnSpc>
-                <a:spcPct val="150000"/>
-              </a:lnSpc>
-              <a:spcBef>
-                <a:spcPts val="0"/>
-              </a:spcBef>
-              <a:spcAft>
-                <a:spcPts val="0"/>
-              </a:spcAft>
-              <a:buClr>
-                <a:schemeClr val="dk1"/>
-              </a:buClr>
-              <a:buSzPts val="1100"/>
-              <a:buFont typeface="Arial"/>
-              <a:buNone/>
-            </a:pPr>
-            <a:r>
-              <a:rPr lang="en-US" sz="2400" dirty="0">
-                <a:solidFill>
-                  <a:schemeClr val="dk1"/>
-                </a:solidFill>
-                <a:latin typeface="Montserrat Light"/>
-                <a:ea typeface="Montserrat Light"/>
-                <a:cs typeface="Montserrat Light"/>
-                <a:sym typeface="Montserrat Light"/>
-              </a:rPr>
-              <a:t>Mocha will automatically treat all JavaScript files in this directory as tests. Create a file called ‘users.test.js’ in this directory that will test that the default functionality created for URL http://localhost:3000/users works as expected.</a:t>
-            </a:r>
-          </a:p>
-          <a:p>
             <a:endParaRPr lang="en-US" dirty="0"/>
           </a:p>
         </p:txBody>
@@ -854,7 +633,7 @@
     </p:spTree>
     <p:extLst>
       <p:ext uri="{BB962C8B-B14F-4D97-AF65-F5344CB8AC3E}">
-        <p14:creationId xmlns:p14="http://schemas.microsoft.com/office/powerpoint/2010/main" val="382053912"/>
+        <p14:creationId xmlns:p14="http://schemas.microsoft.com/office/powerpoint/2010/main" val="566162077"/>
       </p:ext>
     </p:extLst>
   </p:cSld>
@@ -920,6 +699,428 @@
     </p:spTree>
     <p:extLst>
       <p:ext uri="{BB962C8B-B14F-4D97-AF65-F5344CB8AC3E}">
+        <p14:creationId xmlns:p14="http://schemas.microsoft.com/office/powerpoint/2010/main" val="1001040868"/>
+      </p:ext>
+    </p:extLst>
+  </p:cSld>
+  <p:clrMapOvr>
+    <a:masterClrMapping/>
+  </p:clrMapOvr>
+</p:notes>
+</file>
+
+<file path=ppt/notesSlides/notesSlide4.xml><?xml version="1.0" encoding="utf-8"?>
+<p:notes xmlns:a="http://schemas.openxmlformats.org/drawingml/2006/main" xmlns:r="http://schemas.openxmlformats.org/officeDocument/2006/relationships" xmlns:p="http://schemas.openxmlformats.org/presentationml/2006/main">
+  <p:cSld>
+    <p:spTree>
+      <p:nvGrpSpPr>
+        <p:cNvPr id="1" name=""/>
+        <p:cNvGrpSpPr/>
+        <p:nvPr/>
+      </p:nvGrpSpPr>
+      <p:grpSpPr>
+        <a:xfrm>
+          <a:off x="0" y="0"/>
+          <a:ext cx="0" cy="0"/>
+          <a:chOff x="0" y="0"/>
+          <a:chExt cx="0" cy="0"/>
+        </a:xfrm>
+      </p:grpSpPr>
+      <p:sp>
+        <p:nvSpPr>
+          <p:cNvPr id="2" name="عنصر نائب لصورة الشريحة 1"/>
+          <p:cNvSpPr>
+            <a:spLocks noGrp="1" noRot="1" noChangeAspect="1"/>
+          </p:cNvSpPr>
+          <p:nvPr>
+            <p:ph type="sldImg"/>
+          </p:nvPr>
+        </p:nvSpPr>
+        <p:spPr>
+          <a:xfrm>
+            <a:off x="381000" y="685800"/>
+            <a:ext cx="6096000" cy="3429000"/>
+          </a:xfrm>
+        </p:spPr>
+      </p:sp>
+      <p:sp>
+        <p:nvSpPr>
+          <p:cNvPr id="3" name="عنصر نائب للملاحظات 2"/>
+          <p:cNvSpPr>
+            <a:spLocks noGrp="1"/>
+          </p:cNvSpPr>
+          <p:nvPr>
+            <p:ph type="body" idx="1"/>
+          </p:nvPr>
+        </p:nvSpPr>
+        <p:spPr/>
+        <p:txBody>
+          <a:bodyPr/>
+          <a:lstStyle/>
+          <a:p>
+            <a:endParaRPr lang="en-US" dirty="0"/>
+          </a:p>
+        </p:txBody>
+      </p:sp>
+    </p:spTree>
+    <p:extLst>
+      <p:ext uri="{BB962C8B-B14F-4D97-AF65-F5344CB8AC3E}">
+        <p14:creationId xmlns:p14="http://schemas.microsoft.com/office/powerpoint/2010/main" val="3565733218"/>
+      </p:ext>
+    </p:extLst>
+  </p:cSld>
+  <p:clrMapOvr>
+    <a:masterClrMapping/>
+  </p:clrMapOvr>
+</p:notes>
+</file>
+
+<file path=ppt/notesSlides/notesSlide5.xml><?xml version="1.0" encoding="utf-8"?>
+<p:notes xmlns:a="http://schemas.openxmlformats.org/drawingml/2006/main" xmlns:r="http://schemas.openxmlformats.org/officeDocument/2006/relationships" xmlns:p="http://schemas.openxmlformats.org/presentationml/2006/main">
+  <p:cSld>
+    <p:spTree>
+      <p:nvGrpSpPr>
+        <p:cNvPr id="1" name=""/>
+        <p:cNvGrpSpPr/>
+        <p:nvPr/>
+      </p:nvGrpSpPr>
+      <p:grpSpPr>
+        <a:xfrm>
+          <a:off x="0" y="0"/>
+          <a:ext cx="0" cy="0"/>
+          <a:chOff x="0" y="0"/>
+          <a:chExt cx="0" cy="0"/>
+        </a:xfrm>
+      </p:grpSpPr>
+      <p:sp>
+        <p:nvSpPr>
+          <p:cNvPr id="2" name="عنصر نائب لصورة الشريحة 1"/>
+          <p:cNvSpPr>
+            <a:spLocks noGrp="1" noRot="1" noChangeAspect="1"/>
+          </p:cNvSpPr>
+          <p:nvPr>
+            <p:ph type="sldImg"/>
+          </p:nvPr>
+        </p:nvSpPr>
+        <p:spPr>
+          <a:xfrm>
+            <a:off x="381000" y="685800"/>
+            <a:ext cx="6096000" cy="3429000"/>
+          </a:xfrm>
+        </p:spPr>
+      </p:sp>
+      <p:sp>
+        <p:nvSpPr>
+          <p:cNvPr id="3" name="عنصر نائب للملاحظات 2"/>
+          <p:cNvSpPr>
+            <a:spLocks noGrp="1"/>
+          </p:cNvSpPr>
+          <p:nvPr>
+            <p:ph type="body" idx="1"/>
+          </p:nvPr>
+        </p:nvSpPr>
+        <p:spPr/>
+        <p:txBody>
+          <a:bodyPr/>
+          <a:lstStyle/>
+          <a:p>
+            <a:pPr marL="457200" lvl="0" indent="0" algn="just" rtl="0">
+              <a:lnSpc>
+                <a:spcPct val="150000"/>
+              </a:lnSpc>
+              <a:spcBef>
+                <a:spcPts val="0"/>
+              </a:spcBef>
+              <a:spcAft>
+                <a:spcPts val="0"/>
+              </a:spcAft>
+              <a:buClr>
+                <a:schemeClr val="dk1"/>
+              </a:buClr>
+              <a:buSzPts val="1100"/>
+              <a:buFont typeface="Arial"/>
+              <a:buNone/>
+            </a:pPr>
+            <a:r>
+              <a:rPr lang="en-US" sz="2400" dirty="0">
+                <a:solidFill>
+                  <a:schemeClr val="dk1"/>
+                </a:solidFill>
+                <a:latin typeface="Montserrat Light"/>
+                <a:ea typeface="Montserrat Light"/>
+                <a:cs typeface="Montserrat Light"/>
+                <a:sym typeface="Montserrat Light"/>
+              </a:rPr>
+              <a:t>1:</a:t>
+            </a:r>
+          </a:p>
+          <a:p>
+            <a:pPr marL="457200" lvl="0" indent="0" algn="just" rtl="0">
+              <a:lnSpc>
+                <a:spcPct val="150000"/>
+              </a:lnSpc>
+              <a:spcBef>
+                <a:spcPts val="0"/>
+              </a:spcBef>
+              <a:spcAft>
+                <a:spcPts val="0"/>
+              </a:spcAft>
+              <a:buClr>
+                <a:schemeClr val="dk1"/>
+              </a:buClr>
+              <a:buSzPts val="1100"/>
+              <a:buFont typeface="Arial"/>
+              <a:buNone/>
+            </a:pPr>
+            <a:r>
+              <a:rPr lang="en-US" sz="2400" dirty="0">
+                <a:solidFill>
+                  <a:schemeClr val="dk1"/>
+                </a:solidFill>
+                <a:latin typeface="Montserrat Light"/>
+                <a:ea typeface="Montserrat Light"/>
+                <a:cs typeface="Montserrat Light"/>
+                <a:sym typeface="Montserrat Light"/>
+              </a:rPr>
+              <a:t>Your scripts element of the </a:t>
+            </a:r>
+            <a:r>
+              <a:rPr lang="en-US" sz="2400" dirty="0" err="1">
+                <a:solidFill>
+                  <a:schemeClr val="dk1"/>
+                </a:solidFill>
+                <a:latin typeface="Montserrat Light"/>
+                <a:ea typeface="Montserrat Light"/>
+                <a:cs typeface="Montserrat Light"/>
+                <a:sym typeface="Montserrat Light"/>
+              </a:rPr>
+              <a:t>package.json</a:t>
+            </a:r>
+            <a:r>
+              <a:rPr lang="en-US" sz="2400" dirty="0">
+                <a:solidFill>
+                  <a:schemeClr val="dk1"/>
+                </a:solidFill>
+                <a:latin typeface="Montserrat Light"/>
+                <a:ea typeface="Montserrat Light"/>
+                <a:cs typeface="Montserrat Light"/>
+                <a:sym typeface="Montserrat Light"/>
+              </a:rPr>
+              <a:t> file should be updated to show how to run tests. We specify that Mocha will be used as shown below. Mocha will by default treat all JavaScript files in the ‘test’ directory of the app (see the next step) as tests. Therefore, adding this script to your </a:t>
+            </a:r>
+            <a:r>
+              <a:rPr lang="en-US" sz="2400" dirty="0" err="1">
+                <a:solidFill>
+                  <a:schemeClr val="dk1"/>
+                </a:solidFill>
+                <a:latin typeface="Montserrat Light"/>
+                <a:ea typeface="Montserrat Light"/>
+                <a:cs typeface="Montserrat Light"/>
+                <a:sym typeface="Montserrat Light"/>
+              </a:rPr>
+              <a:t>package.json</a:t>
+            </a:r>
+            <a:r>
+              <a:rPr lang="en-US" sz="2400" dirty="0">
+                <a:solidFill>
+                  <a:schemeClr val="dk1"/>
+                </a:solidFill>
+                <a:latin typeface="Montserrat Light"/>
+                <a:ea typeface="Montserrat Light"/>
+                <a:cs typeface="Montserrat Light"/>
+                <a:sym typeface="Montserrat Light"/>
+              </a:rPr>
+              <a:t> file allows you to run any tests you create in the test directory by typing “</a:t>
+            </a:r>
+            <a:r>
+              <a:rPr lang="en-US" sz="2400" dirty="0" err="1">
+                <a:solidFill>
+                  <a:schemeClr val="dk1"/>
+                </a:solidFill>
+                <a:latin typeface="Montserrat Light"/>
+                <a:ea typeface="Montserrat Light"/>
+                <a:cs typeface="Montserrat Light"/>
+                <a:sym typeface="Montserrat Light"/>
+              </a:rPr>
+              <a:t>npm</a:t>
+            </a:r>
+            <a:r>
+              <a:rPr lang="en-US" sz="2400" dirty="0">
+                <a:solidFill>
+                  <a:schemeClr val="dk1"/>
+                </a:solidFill>
+                <a:latin typeface="Montserrat Light"/>
+                <a:ea typeface="Montserrat Light"/>
+                <a:cs typeface="Montserrat Light"/>
+                <a:sym typeface="Montserrat Light"/>
+              </a:rPr>
+              <a:t> test” in the command line interface. </a:t>
+            </a:r>
+          </a:p>
+          <a:p>
+            <a:pPr marL="457200" lvl="0" indent="0" algn="just" rtl="0">
+              <a:lnSpc>
+                <a:spcPct val="150000"/>
+              </a:lnSpc>
+              <a:spcBef>
+                <a:spcPts val="0"/>
+              </a:spcBef>
+              <a:spcAft>
+                <a:spcPts val="0"/>
+              </a:spcAft>
+              <a:buClr>
+                <a:schemeClr val="dk1"/>
+              </a:buClr>
+              <a:buSzPts val="1100"/>
+              <a:buFont typeface="Arial"/>
+              <a:buNone/>
+            </a:pPr>
+            <a:endParaRPr lang="en-US" sz="2400" dirty="0">
+              <a:solidFill>
+                <a:schemeClr val="dk1"/>
+              </a:solidFill>
+              <a:latin typeface="Montserrat Light"/>
+              <a:ea typeface="Montserrat Light"/>
+              <a:cs typeface="Montserrat Light"/>
+              <a:sym typeface="Montserrat Light"/>
+            </a:endParaRPr>
+          </a:p>
+          <a:p>
+            <a:pPr marL="0" lvl="0" indent="0" algn="just" rtl="0">
+              <a:lnSpc>
+                <a:spcPct val="150000"/>
+              </a:lnSpc>
+              <a:spcBef>
+                <a:spcPts val="0"/>
+              </a:spcBef>
+              <a:spcAft>
+                <a:spcPts val="0"/>
+              </a:spcAft>
+              <a:buClr>
+                <a:schemeClr val="dk1"/>
+              </a:buClr>
+              <a:buSzPts val="1100"/>
+              <a:buFont typeface="Arial"/>
+              <a:buNone/>
+            </a:pPr>
+            <a:r>
+              <a:rPr lang="en-US" sz="2400" dirty="0">
+                <a:solidFill>
+                  <a:schemeClr val="dk1"/>
+                </a:solidFill>
+                <a:latin typeface="Montserrat Light"/>
+                <a:ea typeface="Montserrat Light"/>
+                <a:cs typeface="Montserrat Light"/>
+                <a:sym typeface="Montserrat Light"/>
+              </a:rPr>
+              <a:t>2: </a:t>
+            </a:r>
+          </a:p>
+          <a:p>
+            <a:pPr marL="0" lvl="0" indent="0" algn="just" rtl="0">
+              <a:lnSpc>
+                <a:spcPct val="150000"/>
+              </a:lnSpc>
+              <a:spcBef>
+                <a:spcPts val="0"/>
+              </a:spcBef>
+              <a:spcAft>
+                <a:spcPts val="0"/>
+              </a:spcAft>
+              <a:buClr>
+                <a:schemeClr val="dk1"/>
+              </a:buClr>
+              <a:buSzPts val="1100"/>
+              <a:buFont typeface="Arial"/>
+              <a:buNone/>
+            </a:pPr>
+            <a:r>
+              <a:rPr lang="en-US" sz="2400" dirty="0">
+                <a:solidFill>
+                  <a:schemeClr val="dk1"/>
+                </a:solidFill>
+                <a:latin typeface="Montserrat Light"/>
+                <a:ea typeface="Montserrat Light"/>
+                <a:cs typeface="Montserrat Light"/>
+                <a:sym typeface="Montserrat Light"/>
+              </a:rPr>
+              <a:t>Mocha will automatically treat all JavaScript files in this directory as tests. Create a file called ‘users.test.js’ in this directory that will test that the default functionality created for URL http://localhost:3000/users works as expected.</a:t>
+            </a:r>
+          </a:p>
+          <a:p>
+            <a:endParaRPr lang="en-US" dirty="0"/>
+          </a:p>
+        </p:txBody>
+      </p:sp>
+    </p:spTree>
+    <p:extLst>
+      <p:ext uri="{BB962C8B-B14F-4D97-AF65-F5344CB8AC3E}">
+        <p14:creationId xmlns:p14="http://schemas.microsoft.com/office/powerpoint/2010/main" val="382053912"/>
+      </p:ext>
+    </p:extLst>
+  </p:cSld>
+  <p:clrMapOvr>
+    <a:masterClrMapping/>
+  </p:clrMapOvr>
+</p:notes>
+</file>
+
+<file path=ppt/notesSlides/notesSlide6.xml><?xml version="1.0" encoding="utf-8"?>
+<p:notes xmlns:a="http://schemas.openxmlformats.org/drawingml/2006/main" xmlns:r="http://schemas.openxmlformats.org/officeDocument/2006/relationships" xmlns:p="http://schemas.openxmlformats.org/presentationml/2006/main">
+  <p:cSld>
+    <p:spTree>
+      <p:nvGrpSpPr>
+        <p:cNvPr id="1" name=""/>
+        <p:cNvGrpSpPr/>
+        <p:nvPr/>
+      </p:nvGrpSpPr>
+      <p:grpSpPr>
+        <a:xfrm>
+          <a:off x="0" y="0"/>
+          <a:ext cx="0" cy="0"/>
+          <a:chOff x="0" y="0"/>
+          <a:chExt cx="0" cy="0"/>
+        </a:xfrm>
+      </p:grpSpPr>
+      <p:sp>
+        <p:nvSpPr>
+          <p:cNvPr id="2" name="عنصر نائب لصورة الشريحة 1"/>
+          <p:cNvSpPr>
+            <a:spLocks noGrp="1" noRot="1" noChangeAspect="1"/>
+          </p:cNvSpPr>
+          <p:nvPr>
+            <p:ph type="sldImg"/>
+          </p:nvPr>
+        </p:nvSpPr>
+        <p:spPr>
+          <a:xfrm>
+            <a:off x="381000" y="685800"/>
+            <a:ext cx="6096000" cy="3429000"/>
+          </a:xfrm>
+        </p:spPr>
+      </p:sp>
+      <p:sp>
+        <p:nvSpPr>
+          <p:cNvPr id="3" name="عنصر نائب للملاحظات 2"/>
+          <p:cNvSpPr>
+            <a:spLocks noGrp="1"/>
+          </p:cNvSpPr>
+          <p:nvPr>
+            <p:ph type="body" idx="1"/>
+          </p:nvPr>
+        </p:nvSpPr>
+        <p:spPr/>
+        <p:txBody>
+          <a:bodyPr/>
+          <a:lstStyle/>
+          <a:p>
+            <a:endParaRPr lang="en-US" dirty="0"/>
+          </a:p>
+        </p:txBody>
+      </p:sp>
+    </p:spTree>
+    <p:extLst>
+      <p:ext uri="{BB962C8B-B14F-4D97-AF65-F5344CB8AC3E}">
         <p14:creationId xmlns:p14="http://schemas.microsoft.com/office/powerpoint/2010/main" val="3644302798"/>
       </p:ext>
     </p:extLst>
@@ -930,7 +1131,7 @@
 </p:notes>
 </file>
 
-<file path=ppt/notesSlides/notesSlide4.xml><?xml version="1.0" encoding="utf-8"?>
+<file path=ppt/notesSlides/notesSlide7.xml><?xml version="1.0" encoding="utf-8"?>
 <p:notes xmlns:a="http://schemas.openxmlformats.org/drawingml/2006/main" xmlns:r="http://schemas.openxmlformats.org/officeDocument/2006/relationships" xmlns:p="http://schemas.openxmlformats.org/presentationml/2006/main">
   <p:cSld>
     <p:spTree>
@@ -1361,7 +1562,7 @@
           </a:ln>
           <a:extLst>
             <a:ext uri="{C572A759-6A51-4108-AA02-DFA0A04FC94B}">
-              <ma14:wrappingTextBoxFlag xmlns:ma14="http://schemas.microsoft.com/office/mac/drawingml/2011/main" xmlns:a14="http://schemas.microsoft.com/office/drawing/2010/main" xmlns:m="http://schemas.openxmlformats.org/officeDocument/2006/math" xmlns="" val="1"/>
+              <ma14:wrappingTextBoxFlag xmlns="" xmlns:m="http://schemas.openxmlformats.org/officeDocument/2006/math" xmlns:a14="http://schemas.microsoft.com/office/drawing/2010/main" xmlns:ma14="http://schemas.microsoft.com/office/mac/drawingml/2011/main" val="1"/>
             </a:ext>
           </a:extLst>
         </p:spPr>
@@ -2000,7 +2201,7 @@
           </a:ln>
           <a:extLst>
             <a:ext uri="{C572A759-6A51-4108-AA02-DFA0A04FC94B}">
-              <ma14:wrappingTextBoxFlag xmlns:ma14="http://schemas.microsoft.com/office/mac/drawingml/2011/main" xmlns:a14="http://schemas.microsoft.com/office/drawing/2010/main" xmlns:m="http://schemas.openxmlformats.org/officeDocument/2006/math" xmlns="" val="1"/>
+              <ma14:wrappingTextBoxFlag xmlns="" xmlns:m="http://schemas.openxmlformats.org/officeDocument/2006/math" xmlns:a14="http://schemas.microsoft.com/office/drawing/2010/main" xmlns:ma14="http://schemas.microsoft.com/office/mac/drawingml/2011/main" val="1"/>
             </a:ext>
           </a:extLst>
         </p:spPr>
@@ -3436,7 +3637,7 @@
           </a:ln>
           <a:extLst>
             <a:ext uri="{C572A759-6A51-4108-AA02-DFA0A04FC94B}">
-              <ma14:wrappingTextBoxFlag xmlns:ma14="http://schemas.microsoft.com/office/mac/drawingml/2011/main" xmlns:a14="http://schemas.microsoft.com/office/drawing/2010/main" xmlns:m="http://schemas.openxmlformats.org/officeDocument/2006/math" xmlns="" val="1"/>
+              <ma14:wrappingTextBoxFlag xmlns="" xmlns:m="http://schemas.openxmlformats.org/officeDocument/2006/math" xmlns:a14="http://schemas.microsoft.com/office/drawing/2010/main" xmlns:ma14="http://schemas.microsoft.com/office/mac/drawingml/2011/main" val="1"/>
             </a:ext>
           </a:extLst>
         </p:spPr>
@@ -3479,7 +3680,7 @@
           </a:ln>
           <a:extLst>
             <a:ext uri="{C572A759-6A51-4108-AA02-DFA0A04FC94B}">
-              <ma14:wrappingTextBoxFlag xmlns:ma14="http://schemas.microsoft.com/office/mac/drawingml/2011/main" xmlns:a14="http://schemas.microsoft.com/office/drawing/2010/main" xmlns:m="http://schemas.openxmlformats.org/officeDocument/2006/math" xmlns="" val="1"/>
+              <ma14:wrappingTextBoxFlag xmlns="" xmlns:m="http://schemas.openxmlformats.org/officeDocument/2006/math" xmlns:a14="http://schemas.microsoft.com/office/drawing/2010/main" xmlns:ma14="http://schemas.microsoft.com/office/mac/drawingml/2011/main" val="1"/>
             </a:ext>
           </a:extLst>
         </p:spPr>
@@ -4574,1452 +4775,7 @@
 </p:sld>
 </file>
 
-<file path=ppt/slides/slide2.xml><?xml version="1.0" encoding="utf-8"?>
-<p:sld xmlns:a="http://schemas.openxmlformats.org/drawingml/2006/main" xmlns:r="http://schemas.openxmlformats.org/officeDocument/2006/relationships" xmlns:p="http://schemas.openxmlformats.org/presentationml/2006/main">
-  <p:cSld>
-    <p:spTree>
-      <p:nvGrpSpPr>
-        <p:cNvPr id="1" name=""/>
-        <p:cNvGrpSpPr/>
-        <p:nvPr/>
-      </p:nvGrpSpPr>
-      <p:grpSpPr>
-        <a:xfrm>
-          <a:off x="0" y="0"/>
-          <a:ext cx="0" cy="0"/>
-          <a:chOff x="0" y="0"/>
-          <a:chExt cx="0" cy="0"/>
-        </a:xfrm>
-      </p:grpSpPr>
-      <p:sp>
-        <p:nvSpPr>
-          <p:cNvPr id="200" name="Slide Subtitle"/>
-          <p:cNvSpPr txBox="1">
-            <a:spLocks noGrp="1"/>
-          </p:cNvSpPr>
-          <p:nvPr>
-            <p:ph type="body" idx="21"/>
-          </p:nvPr>
-        </p:nvSpPr>
-        <p:spPr>
-          <a:prstGeom prst="rect">
-            <a:avLst/>
-          </a:prstGeom>
-        </p:spPr>
-        <p:txBody>
-          <a:bodyPr/>
-          <a:lstStyle/>
-          <a:p>
-            <a:pPr rtl="0">
-              <a:defRPr/>
-            </a:pPr>
-            <a:endParaRPr/>
-          </a:p>
-        </p:txBody>
-      </p:sp>
-      <p:sp>
-        <p:nvSpPr>
-          <p:cNvPr id="201" name="Slide bullet text"/>
-          <p:cNvSpPr txBox="1">
-            <a:spLocks noGrp="1"/>
-          </p:cNvSpPr>
-          <p:nvPr>
-            <p:ph type="body" sz="half" idx="1"/>
-          </p:nvPr>
-        </p:nvSpPr>
-        <p:spPr>
-          <a:xfrm>
-            <a:off x="1206499" y="4248504"/>
-            <a:ext cx="21900623" cy="8256630"/>
-          </a:xfrm>
-          <a:prstGeom prst="rect">
-            <a:avLst/>
-          </a:prstGeom>
-        </p:spPr>
-        <p:txBody>
-          <a:bodyPr/>
-          <a:lstStyle/>
-          <a:p>
-            <a:pPr marL="514350" indent="-514350" algn="l" rtl="0">
-              <a:buFont typeface="+mj-lt"/>
-              <a:buAutoNum type="arabicPeriod"/>
-              <a:defRPr/>
-            </a:pPr>
-            <a:r>
-              <a:rPr lang="en-US" dirty="0" err="1">
-                <a:solidFill>
-                  <a:srgbClr val="0093A1"/>
-                </a:solidFill>
-                <a:latin typeface="Consolas" panose="020B0609020204030204" pitchFamily="49" charset="0"/>
-              </a:rPr>
-              <a:t>npm</a:t>
-            </a:r>
-            <a:r>
-              <a:rPr lang="en-US" dirty="0">
-                <a:solidFill>
-                  <a:srgbClr val="0093A1"/>
-                </a:solidFill>
-                <a:latin typeface="Consolas" panose="020B0609020204030204" pitchFamily="49" charset="0"/>
-              </a:rPr>
-              <a:t> </a:t>
-            </a:r>
-            <a:r>
-              <a:rPr lang="en-US" dirty="0" err="1">
-                <a:solidFill>
-                  <a:srgbClr val="0093A1"/>
-                </a:solidFill>
-                <a:latin typeface="Consolas" panose="020B0609020204030204" pitchFamily="49" charset="0"/>
-              </a:rPr>
-              <a:t>i</a:t>
-            </a:r>
-            <a:r>
-              <a:rPr lang="en-US" dirty="0">
-                <a:solidFill>
-                  <a:srgbClr val="0093A1"/>
-                </a:solidFill>
-                <a:latin typeface="Consolas" panose="020B0609020204030204" pitchFamily="49" charset="0"/>
-              </a:rPr>
-              <a:t> mocha </a:t>
-            </a:r>
-          </a:p>
-          <a:p>
-            <a:pPr marL="514350" indent="-514350" algn="l" rtl="0">
-              <a:buFont typeface="+mj-lt"/>
-              <a:buAutoNum type="arabicPeriod"/>
-              <a:defRPr/>
-            </a:pPr>
-            <a:r>
-              <a:rPr lang="en-US" dirty="0"/>
-              <a:t>Update your scripts in </a:t>
-            </a:r>
-            <a:r>
-              <a:rPr lang="en-US" dirty="0" err="1"/>
-              <a:t>package.json</a:t>
-            </a:r>
-            <a:r>
-              <a:rPr lang="en-US" dirty="0"/>
-              <a:t> file</a:t>
-            </a:r>
-          </a:p>
-          <a:p>
-            <a:pPr marL="514350" indent="-514350" algn="l" rtl="0">
-              <a:buFont typeface="+mj-lt"/>
-              <a:buAutoNum type="arabicPeriod"/>
-              <a:defRPr/>
-            </a:pPr>
-            <a:endParaRPr lang="en-US" dirty="0"/>
-          </a:p>
-          <a:p>
-            <a:pPr marL="514350" indent="-514350" algn="l" rtl="0">
-              <a:buFont typeface="+mj-lt"/>
-              <a:buAutoNum type="arabicPeriod"/>
-              <a:defRPr/>
-            </a:pPr>
-            <a:endParaRPr lang="en-US" dirty="0"/>
-          </a:p>
-          <a:p>
-            <a:pPr marL="514350" indent="-514350" algn="l" rtl="0">
-              <a:buFont typeface="+mj-lt"/>
-              <a:buAutoNum type="arabicPeriod"/>
-              <a:defRPr/>
-            </a:pPr>
-            <a:r>
-              <a:rPr lang="en-US" dirty="0"/>
-              <a:t>Write the back end code for your express app</a:t>
-            </a:r>
-          </a:p>
-          <a:p>
-            <a:pPr algn="l" rtl="0">
-              <a:defRPr/>
-            </a:pPr>
-            <a:endParaRPr lang="en-US" dirty="0"/>
-          </a:p>
-          <a:p>
-            <a:pPr algn="l" rtl="0">
-              <a:defRPr/>
-            </a:pPr>
-            <a:endParaRPr lang="en-US" dirty="0"/>
-          </a:p>
-          <a:p>
-            <a:pPr algn="l" rtl="0">
-              <a:defRPr/>
-            </a:pPr>
-            <a:endParaRPr lang="en-US" dirty="0"/>
-          </a:p>
-          <a:p>
-            <a:pPr algn="l" rtl="0">
-              <a:defRPr/>
-            </a:pPr>
-            <a:endParaRPr lang="en-US" dirty="0"/>
-          </a:p>
-          <a:p>
-            <a:pPr algn="l" rtl="0">
-              <a:defRPr/>
-            </a:pPr>
-            <a:endParaRPr lang="en-US" dirty="0"/>
-          </a:p>
-          <a:p>
-            <a:pPr algn="l" rtl="0">
-              <a:defRPr/>
-            </a:pPr>
-            <a:endParaRPr lang="en-US" dirty="0"/>
-          </a:p>
-          <a:p>
-            <a:pPr algn="l" rtl="0">
-              <a:defRPr/>
-            </a:pPr>
-            <a:endParaRPr dirty="0"/>
-          </a:p>
-        </p:txBody>
-      </p:sp>
-      <p:sp>
-        <p:nvSpPr>
-          <p:cNvPr id="203" name="Slide Title"/>
-          <p:cNvSpPr txBox="1">
-            <a:spLocks noGrp="1"/>
-          </p:cNvSpPr>
-          <p:nvPr>
-            <p:ph type="title"/>
-          </p:nvPr>
-        </p:nvSpPr>
-        <p:spPr>
-          <a:xfrm>
-            <a:off x="1206500" y="1079500"/>
-            <a:ext cx="14574274" cy="1435100"/>
-          </a:xfrm>
-          <a:prstGeom prst="rect">
-            <a:avLst/>
-          </a:prstGeom>
-        </p:spPr>
-        <p:txBody>
-          <a:bodyPr>
-            <a:normAutofit/>
-          </a:bodyPr>
-          <a:lstStyle/>
-          <a:p>
-            <a:pPr algn="l" rtl="0">
-              <a:defRPr/>
-            </a:pPr>
-            <a:r>
-              <a:rPr lang="en-US" dirty="0"/>
-              <a:t>Node.js Testing Frameworks</a:t>
-            </a:r>
-            <a:endParaRPr dirty="0"/>
-          </a:p>
-        </p:txBody>
-      </p:sp>
-      <p:pic>
-        <p:nvPicPr>
-          <p:cNvPr id="9" name="Google Shape;151;p19">
-            <a:extLst>
-              <a:ext uri="{FF2B5EF4-FFF2-40B4-BE49-F238E27FC236}">
-                <a16:creationId xmlns:a16="http://schemas.microsoft.com/office/drawing/2014/main" id="{38D51CE9-2867-411F-9EDB-EBECEB161564}"/>
-              </a:ext>
-            </a:extLst>
-          </p:cNvPr>
-          <p:cNvPicPr preferRelativeResize="0"/>
-          <p:nvPr/>
-        </p:nvPicPr>
-        <p:blipFill rotWithShape="1">
-          <a:blip r:embed="rId3">
-            <a:alphaModFix/>
-          </a:blip>
-          <a:srcRect b="28345"/>
-          <a:stretch/>
-        </p:blipFill>
-        <p:spPr>
-          <a:xfrm>
-            <a:off x="9905935" y="8321772"/>
-            <a:ext cx="11749678" cy="4743361"/>
-          </a:xfrm>
-          <a:prstGeom prst="rect">
-            <a:avLst/>
-          </a:prstGeom>
-          <a:noFill/>
-          <a:ln>
-            <a:noFill/>
-          </a:ln>
-        </p:spPr>
-      </p:pic>
-      <p:grpSp>
-        <p:nvGrpSpPr>
-          <p:cNvPr id="5" name="مجموعة 4">
-            <a:extLst>
-              <a:ext uri="{FF2B5EF4-FFF2-40B4-BE49-F238E27FC236}">
-                <a16:creationId xmlns:a16="http://schemas.microsoft.com/office/drawing/2014/main" id="{47C383ED-ED38-4EC4-9945-9BF555E67C0D}"/>
-              </a:ext>
-            </a:extLst>
-          </p:cNvPr>
-          <p:cNvGrpSpPr/>
-          <p:nvPr/>
-        </p:nvGrpSpPr>
-        <p:grpSpPr>
-          <a:xfrm>
-            <a:off x="11713636" y="4286394"/>
-            <a:ext cx="8134275" cy="2571606"/>
-            <a:chOff x="11713636" y="4286394"/>
-            <a:chExt cx="8134275" cy="2571606"/>
-          </a:xfrm>
-        </p:grpSpPr>
-        <p:pic>
-          <p:nvPicPr>
-            <p:cNvPr id="8" name="Google Shape;150;p19">
-              <a:extLst>
-                <a:ext uri="{FF2B5EF4-FFF2-40B4-BE49-F238E27FC236}">
-                  <a16:creationId xmlns:a16="http://schemas.microsoft.com/office/drawing/2014/main" id="{E95EF983-68F4-4CD0-987F-4B2A6FBE1A6C}"/>
-                </a:ext>
-              </a:extLst>
-            </p:cNvPr>
-            <p:cNvPicPr preferRelativeResize="0"/>
-            <p:nvPr/>
-          </p:nvPicPr>
-          <p:blipFill>
-            <a:blip r:embed="rId4">
-              <a:alphaModFix/>
-            </a:blip>
-            <a:stretch>
-              <a:fillRect/>
-            </a:stretch>
-          </p:blipFill>
-          <p:spPr>
-            <a:xfrm>
-              <a:off x="11713636" y="4286394"/>
-              <a:ext cx="8134275" cy="2571606"/>
-            </a:xfrm>
-            <a:prstGeom prst="rect">
-              <a:avLst/>
-            </a:prstGeom>
-            <a:noFill/>
-            <a:ln>
-              <a:noFill/>
-            </a:ln>
-          </p:spPr>
-        </p:pic>
-        <p:sp>
-          <p:nvSpPr>
-            <p:cNvPr id="4" name="مستطيل 3">
-              <a:extLst>
-                <a:ext uri="{FF2B5EF4-FFF2-40B4-BE49-F238E27FC236}">
-                  <a16:creationId xmlns:a16="http://schemas.microsoft.com/office/drawing/2014/main" id="{38158C1C-570A-4A1B-AF85-6C426A9638A6}"/>
-                </a:ext>
-              </a:extLst>
-            </p:cNvPr>
-            <p:cNvSpPr/>
-            <p:nvPr/>
-          </p:nvSpPr>
-          <p:spPr>
-            <a:xfrm>
-              <a:off x="12192000" y="4984955"/>
-              <a:ext cx="7655911" cy="619432"/>
-            </a:xfrm>
-            <a:prstGeom prst="rect">
-              <a:avLst/>
-            </a:prstGeom>
-            <a:solidFill>
-              <a:srgbClr val="FFFFFF"/>
-            </a:solidFill>
-            <a:ln w="12700" cap="flat">
-              <a:noFill/>
-              <a:miter lim="400000"/>
-            </a:ln>
-            <a:effectLst/>
-            <a:sp3d/>
-          </p:spPr>
-          <p:style>
-            <a:lnRef idx="0">
-              <a:scrgbClr r="0" g="0" b="0"/>
-            </a:lnRef>
-            <a:fillRef idx="0">
-              <a:scrgbClr r="0" g="0" b="0"/>
-            </a:fillRef>
-            <a:effectRef idx="0">
-              <a:scrgbClr r="0" g="0" b="0"/>
-            </a:effectRef>
-            <a:fontRef idx="none"/>
-          </p:style>
-          <p:txBody>
-            <a:bodyPr rot="0" spcFirstLastPara="1" vertOverflow="overflow" horzOverflow="overflow" vert="horz" wrap="square" lIns="50800" tIns="50800" rIns="50800" bIns="50800" numCol="1" spcCol="38100" rtlCol="0" anchor="ctr">
-              <a:spAutoFit/>
-            </a:bodyPr>
-            <a:lstStyle/>
-            <a:p>
-              <a:pPr marL="0" marR="0" indent="0" algn="ctr" defTabSz="825500" rtl="0" fontAlgn="auto" latinLnBrk="0" hangingPunct="0">
-                <a:lnSpc>
-                  <a:spcPct val="100000"/>
-                </a:lnSpc>
-                <a:spcBef>
-                  <a:spcPts val="0"/>
-                </a:spcBef>
-                <a:spcAft>
-                  <a:spcPts val="0"/>
-                </a:spcAft>
-                <a:buClrTx/>
-                <a:buSzTx/>
-                <a:buFontTx/>
-                <a:buNone/>
-                <a:tabLst/>
-              </a:pPr>
-              <a:endParaRPr kumimoji="0" lang="en-US" sz="3200" b="0" i="0" u="none" strike="noStrike" cap="none" spc="0" normalizeH="0" baseline="0">
-                <a:ln>
-                  <a:noFill/>
-                </a:ln>
-                <a:solidFill>
-                  <a:srgbClr val="FFFFFF"/>
-                </a:solidFill>
-                <a:effectLst/>
-                <a:uFillTx/>
-                <a:latin typeface="Helvetica Neue Medium"/>
-                <a:ea typeface="Helvetica Neue Medium"/>
-                <a:cs typeface="Helvetica Neue Medium"/>
-                <a:sym typeface="Helvetica Neue Medium"/>
-              </a:endParaRPr>
-            </a:p>
-          </p:txBody>
-        </p:sp>
-      </p:grpSp>
-    </p:spTree>
-  </p:cSld>
-  <p:clrMapOvr>
-    <a:masterClrMapping/>
-  </p:clrMapOvr>
-  <p:transition spd="med"/>
-</p:sld>
-</file>
-
-<file path=ppt/slides/slide3.xml><?xml version="1.0" encoding="utf-8"?>
-<p:sld xmlns:a="http://schemas.openxmlformats.org/drawingml/2006/main" xmlns:r="http://schemas.openxmlformats.org/officeDocument/2006/relationships" xmlns:p="http://schemas.openxmlformats.org/presentationml/2006/main">
-  <p:cSld>
-    <p:spTree>
-      <p:nvGrpSpPr>
-        <p:cNvPr id="1" name=""/>
-        <p:cNvGrpSpPr/>
-        <p:nvPr/>
-      </p:nvGrpSpPr>
-      <p:grpSpPr>
-        <a:xfrm>
-          <a:off x="0" y="0"/>
-          <a:ext cx="0" cy="0"/>
-          <a:chOff x="0" y="0"/>
-          <a:chExt cx="0" cy="0"/>
-        </a:xfrm>
-      </p:grpSpPr>
-      <p:sp>
-        <p:nvSpPr>
-          <p:cNvPr id="200" name="Slide Subtitle"/>
-          <p:cNvSpPr txBox="1">
-            <a:spLocks noGrp="1"/>
-          </p:cNvSpPr>
-          <p:nvPr>
-            <p:ph type="body" idx="21"/>
-          </p:nvPr>
-        </p:nvSpPr>
-        <p:spPr>
-          <a:prstGeom prst="rect">
-            <a:avLst/>
-          </a:prstGeom>
-        </p:spPr>
-        <p:txBody>
-          <a:bodyPr/>
-          <a:lstStyle/>
-          <a:p>
-            <a:pPr rtl="0">
-              <a:defRPr/>
-            </a:pPr>
-            <a:endParaRPr/>
-          </a:p>
-        </p:txBody>
-      </p:sp>
-      <p:sp>
-        <p:nvSpPr>
-          <p:cNvPr id="201" name="Slide bullet text"/>
-          <p:cNvSpPr txBox="1">
-            <a:spLocks noGrp="1"/>
-          </p:cNvSpPr>
-          <p:nvPr>
-            <p:ph type="body" sz="half" idx="1"/>
-          </p:nvPr>
-        </p:nvSpPr>
-        <p:spPr>
-          <a:xfrm>
-            <a:off x="1206500" y="4248504"/>
-            <a:ext cx="18851306" cy="8256630"/>
-          </a:xfrm>
-          <a:prstGeom prst="rect">
-            <a:avLst/>
-          </a:prstGeom>
-        </p:spPr>
-        <p:txBody>
-          <a:bodyPr/>
-          <a:lstStyle/>
-          <a:p>
-            <a:pPr marL="514350" indent="-514350" algn="l" rtl="0">
-              <a:buFont typeface="+mj-lt"/>
-              <a:buAutoNum type="arabicPeriod" startAt="3"/>
-              <a:defRPr/>
-            </a:pPr>
-            <a:r>
-              <a:rPr lang="en-US" dirty="0"/>
-              <a:t>install the request module like this </a:t>
-            </a:r>
-            <a:br>
-              <a:rPr lang="en-US" dirty="0"/>
-            </a:br>
-            <a:r>
-              <a:rPr lang="en-US" dirty="0"/>
-              <a:t>			</a:t>
-            </a:r>
-            <a:r>
-              <a:rPr lang="en-US" dirty="0" err="1">
-                <a:solidFill>
-                  <a:srgbClr val="0093A1"/>
-                </a:solidFill>
-                <a:latin typeface="Consolas" panose="020B0609020204030204" pitchFamily="49" charset="0"/>
-              </a:rPr>
-              <a:t>npm</a:t>
-            </a:r>
-            <a:r>
-              <a:rPr lang="en-US" dirty="0">
-                <a:solidFill>
-                  <a:srgbClr val="0093A1"/>
-                </a:solidFill>
-                <a:latin typeface="Consolas" panose="020B0609020204030204" pitchFamily="49" charset="0"/>
-              </a:rPr>
-              <a:t> install request chai –save-dev</a:t>
-            </a:r>
-          </a:p>
-          <a:p>
-            <a:pPr marL="514350" indent="-514350" algn="l" rtl="0">
-              <a:buFont typeface="+mj-lt"/>
-              <a:buAutoNum type="arabicPeriod" startAt="3"/>
-              <a:defRPr/>
-            </a:pPr>
-            <a:r>
-              <a:rPr lang="en-US" dirty="0"/>
-              <a:t>Create a test folder with a app.test.js file inside the test folder, </a:t>
-            </a:r>
-            <a:br>
-              <a:rPr lang="en-US" dirty="0"/>
-            </a:br>
-            <a:r>
-              <a:rPr lang="en-US" dirty="0"/>
-              <a:t>The code that should be in the ‘app.test.js’ file. This is unit test using Mocha and Chai.</a:t>
-            </a:r>
-          </a:p>
-          <a:p>
-            <a:pPr marL="514350" indent="-514350" algn="l" rtl="0">
-              <a:buFont typeface="+mj-lt"/>
-              <a:buAutoNum type="arabicPeriod" startAt="5"/>
-              <a:defRPr/>
-            </a:pPr>
-            <a:r>
-              <a:rPr lang="en-US" dirty="0"/>
-              <a:t>Write the code to test your backend endpoints like this</a:t>
-            </a:r>
-          </a:p>
-          <a:p>
-            <a:pPr marL="514350" indent="-514350" algn="l" rtl="0">
-              <a:buFont typeface="+mj-lt"/>
-              <a:buAutoNum type="arabicPeriod" startAt="5"/>
-              <a:defRPr/>
-            </a:pPr>
-            <a:endParaRPr lang="en-US" dirty="0"/>
-          </a:p>
-          <a:p>
-            <a:pPr marL="514350" indent="-514350" algn="l" rtl="0">
-              <a:buFont typeface="+mj-lt"/>
-              <a:buAutoNum type="arabicPeriod" startAt="5"/>
-              <a:defRPr/>
-            </a:pPr>
-            <a:endParaRPr lang="en-US" dirty="0"/>
-          </a:p>
-          <a:p>
-            <a:pPr algn="l" rtl="0">
-              <a:defRPr/>
-            </a:pPr>
-            <a:r>
-              <a:rPr lang="en-US" dirty="0"/>
-              <a:t>Use Chai to write the actual code that will be used to execute the test. </a:t>
-            </a:r>
-          </a:p>
-          <a:p>
-            <a:pPr algn="l" rtl="0">
-              <a:defRPr/>
-            </a:pPr>
-            <a:r>
-              <a:rPr lang="en-US" dirty="0"/>
-              <a:t>Use the it() function to describe the actual test</a:t>
-            </a:r>
-          </a:p>
-          <a:p>
-            <a:pPr marL="514350" indent="-514350" algn="l" rtl="0">
-              <a:buFont typeface="+mj-lt"/>
-              <a:buAutoNum type="arabicPeriod" startAt="5"/>
-              <a:defRPr/>
-            </a:pPr>
-            <a:endParaRPr lang="en-US" dirty="0"/>
-          </a:p>
-          <a:p>
-            <a:pPr algn="l" rtl="0">
-              <a:defRPr/>
-            </a:pPr>
-            <a:endParaRPr lang="en-US" dirty="0"/>
-          </a:p>
-          <a:p>
-            <a:pPr algn="l" rtl="0">
-              <a:defRPr/>
-            </a:pPr>
-            <a:endParaRPr lang="en-US" dirty="0"/>
-          </a:p>
-          <a:p>
-            <a:pPr algn="l" rtl="0">
-              <a:defRPr/>
-            </a:pPr>
-            <a:endParaRPr lang="en-US" dirty="0"/>
-          </a:p>
-          <a:p>
-            <a:pPr algn="l" rtl="0">
-              <a:defRPr/>
-            </a:pPr>
-            <a:endParaRPr lang="en-US" dirty="0"/>
-          </a:p>
-          <a:p>
-            <a:pPr algn="l" rtl="0">
-              <a:defRPr/>
-            </a:pPr>
-            <a:endParaRPr lang="en-US" dirty="0"/>
-          </a:p>
-          <a:p>
-            <a:pPr algn="l" rtl="0">
-              <a:defRPr/>
-            </a:pPr>
-            <a:endParaRPr lang="en-US" dirty="0"/>
-          </a:p>
-          <a:p>
-            <a:pPr algn="l" rtl="0">
-              <a:defRPr/>
-            </a:pPr>
-            <a:endParaRPr lang="en-US" dirty="0"/>
-          </a:p>
-          <a:p>
-            <a:pPr algn="l" rtl="0">
-              <a:defRPr/>
-            </a:pPr>
-            <a:endParaRPr dirty="0"/>
-          </a:p>
-        </p:txBody>
-      </p:sp>
-      <p:sp>
-        <p:nvSpPr>
-          <p:cNvPr id="203" name="Slide Title"/>
-          <p:cNvSpPr txBox="1">
-            <a:spLocks noGrp="1"/>
-          </p:cNvSpPr>
-          <p:nvPr>
-            <p:ph type="title"/>
-          </p:nvPr>
-        </p:nvSpPr>
-        <p:spPr>
-          <a:xfrm>
-            <a:off x="1206500" y="1079500"/>
-            <a:ext cx="15695152" cy="1435100"/>
-          </a:xfrm>
-          <a:prstGeom prst="rect">
-            <a:avLst/>
-          </a:prstGeom>
-        </p:spPr>
-        <p:txBody>
-          <a:bodyPr>
-            <a:normAutofit/>
-          </a:bodyPr>
-          <a:lstStyle/>
-          <a:p>
-            <a:pPr algn="l" rtl="0">
-              <a:defRPr/>
-            </a:pPr>
-            <a:r>
-              <a:rPr lang="en-US" dirty="0"/>
-              <a:t>Node.js Testing Frameworks</a:t>
-            </a:r>
-            <a:endParaRPr dirty="0"/>
-          </a:p>
-        </p:txBody>
-      </p:sp>
-      <p:grpSp>
-        <p:nvGrpSpPr>
-          <p:cNvPr id="6" name="مجموعة 5">
-            <a:extLst>
-              <a:ext uri="{FF2B5EF4-FFF2-40B4-BE49-F238E27FC236}">
-                <a16:creationId xmlns:a16="http://schemas.microsoft.com/office/drawing/2014/main" id="{B867B9C2-0E63-4EA9-89DE-BF34635C70E2}"/>
-              </a:ext>
-            </a:extLst>
-          </p:cNvPr>
-          <p:cNvGrpSpPr/>
-          <p:nvPr/>
-        </p:nvGrpSpPr>
-        <p:grpSpPr>
-          <a:xfrm>
-            <a:off x="11974917" y="6986346"/>
-            <a:ext cx="12205883" cy="2780946"/>
-            <a:chOff x="10323871" y="10103518"/>
-            <a:chExt cx="13606652" cy="3464273"/>
-          </a:xfrm>
-        </p:grpSpPr>
-        <p:pic>
-          <p:nvPicPr>
-            <p:cNvPr id="9" name="Google Shape;159;p20">
-              <a:extLst>
-                <a:ext uri="{FF2B5EF4-FFF2-40B4-BE49-F238E27FC236}">
-                  <a16:creationId xmlns:a16="http://schemas.microsoft.com/office/drawing/2014/main" id="{0A5650D1-0E5E-401A-B289-F5339C781FC8}"/>
-                </a:ext>
-              </a:extLst>
-            </p:cNvPr>
-            <p:cNvPicPr preferRelativeResize="0"/>
-            <p:nvPr/>
-          </p:nvPicPr>
-          <p:blipFill rotWithShape="1">
-            <a:blip r:embed="rId3">
-              <a:alphaModFix/>
-            </a:blip>
-            <a:srcRect t="5598"/>
-            <a:stretch/>
-          </p:blipFill>
-          <p:spPr>
-            <a:xfrm>
-              <a:off x="10323871" y="10517287"/>
-              <a:ext cx="13606652" cy="3050504"/>
-            </a:xfrm>
-            <a:prstGeom prst="rect">
-              <a:avLst/>
-            </a:prstGeom>
-            <a:noFill/>
-            <a:ln>
-              <a:noFill/>
-            </a:ln>
-          </p:spPr>
-        </p:pic>
-        <p:pic>
-          <p:nvPicPr>
-            <p:cNvPr id="5" name="صورة 4">
-              <a:extLst>
-                <a:ext uri="{FF2B5EF4-FFF2-40B4-BE49-F238E27FC236}">
-                  <a16:creationId xmlns:a16="http://schemas.microsoft.com/office/drawing/2014/main" id="{181D266B-6E4D-4949-AF41-845C1BF49A85}"/>
-                </a:ext>
-              </a:extLst>
-            </p:cNvPr>
-            <p:cNvPicPr>
-              <a:picLocks noChangeAspect="1"/>
-            </p:cNvPicPr>
-            <p:nvPr/>
-          </p:nvPicPr>
-          <p:blipFill rotWithShape="1">
-            <a:blip r:embed="rId4"/>
-            <a:srcRect l="38356" t="7966" r="3441" b="88692"/>
-            <a:stretch/>
-          </p:blipFill>
-          <p:spPr>
-            <a:xfrm>
-              <a:off x="10323871" y="10103518"/>
-              <a:ext cx="13606652" cy="439505"/>
-            </a:xfrm>
-            <a:prstGeom prst="rect">
-              <a:avLst/>
-            </a:prstGeom>
-          </p:spPr>
-        </p:pic>
-      </p:grpSp>
-    </p:spTree>
-    <p:extLst>
-      <p:ext uri="{BB962C8B-B14F-4D97-AF65-F5344CB8AC3E}">
-        <p14:creationId xmlns:p14="http://schemas.microsoft.com/office/powerpoint/2010/main" val="3399996724"/>
-      </p:ext>
-    </p:extLst>
-  </p:cSld>
-  <p:clrMapOvr>
-    <a:masterClrMapping/>
-  </p:clrMapOvr>
-  <p:transition spd="med"/>
-</p:sld>
-</file>
-
-<file path=ppt/slides/slide4.xml><?xml version="1.0" encoding="utf-8"?>
-<p:sld xmlns:a="http://schemas.openxmlformats.org/drawingml/2006/main" xmlns:r="http://schemas.openxmlformats.org/officeDocument/2006/relationships" xmlns:p="http://schemas.openxmlformats.org/presentationml/2006/main">
-  <p:cSld>
-    <p:spTree>
-      <p:nvGrpSpPr>
-        <p:cNvPr id="1" name=""/>
-        <p:cNvGrpSpPr/>
-        <p:nvPr/>
-      </p:nvGrpSpPr>
-      <p:grpSpPr>
-        <a:xfrm>
-          <a:off x="0" y="0"/>
-          <a:ext cx="0" cy="0"/>
-          <a:chOff x="0" y="0"/>
-          <a:chExt cx="0" cy="0"/>
-        </a:xfrm>
-      </p:grpSpPr>
-      <p:sp>
-        <p:nvSpPr>
-          <p:cNvPr id="200" name="Slide Subtitle"/>
-          <p:cNvSpPr txBox="1">
-            <a:spLocks noGrp="1"/>
-          </p:cNvSpPr>
-          <p:nvPr>
-            <p:ph type="body" idx="21"/>
-          </p:nvPr>
-        </p:nvSpPr>
-        <p:spPr>
-          <a:prstGeom prst="rect">
-            <a:avLst/>
-          </a:prstGeom>
-        </p:spPr>
-        <p:txBody>
-          <a:bodyPr/>
-          <a:lstStyle/>
-          <a:p>
-            <a:pPr rtl="0">
-              <a:defRPr/>
-            </a:pPr>
-            <a:endParaRPr/>
-          </a:p>
-        </p:txBody>
-      </p:sp>
-      <p:sp>
-        <p:nvSpPr>
-          <p:cNvPr id="201" name="Slide bullet text"/>
-          <p:cNvSpPr txBox="1">
-            <a:spLocks noGrp="1"/>
-          </p:cNvSpPr>
-          <p:nvPr>
-            <p:ph type="body" sz="half" idx="1"/>
-          </p:nvPr>
-        </p:nvSpPr>
-        <p:spPr>
-          <a:prstGeom prst="rect">
-            <a:avLst/>
-          </a:prstGeom>
-        </p:spPr>
-        <p:txBody>
-          <a:bodyPr/>
-          <a:lstStyle/>
-          <a:p>
-            <a:pPr marL="514350" indent="-514350" algn="l" rtl="0">
-              <a:buFont typeface="+mj-lt"/>
-              <a:buAutoNum type="arabicPeriod" startAt="6"/>
-              <a:defRPr/>
-            </a:pPr>
-            <a:r>
-              <a:rPr lang="en-US" dirty="0"/>
-              <a:t>run </a:t>
-            </a:r>
-            <a:r>
-              <a:rPr lang="en-US" dirty="0" err="1">
-                <a:solidFill>
-                  <a:srgbClr val="0093A1"/>
-                </a:solidFill>
-                <a:latin typeface="Consolas" panose="020B0609020204030204" pitchFamily="49" charset="0"/>
-              </a:rPr>
-              <a:t>npm</a:t>
-            </a:r>
-            <a:r>
-              <a:rPr lang="en-US" dirty="0">
-                <a:solidFill>
-                  <a:srgbClr val="0093A1"/>
-                </a:solidFill>
-                <a:latin typeface="Consolas" panose="020B0609020204030204" pitchFamily="49" charset="0"/>
-              </a:rPr>
-              <a:t> test</a:t>
-            </a:r>
-          </a:p>
-          <a:p>
-            <a:pPr marL="514350" indent="-514350" algn="l" rtl="0">
-              <a:buFont typeface="+mj-lt"/>
-              <a:buAutoNum type="arabicPeriod" startAt="6"/>
-              <a:defRPr/>
-            </a:pPr>
-            <a:r>
-              <a:rPr lang="en-US" dirty="0"/>
-              <a:t>See the output of your tests</a:t>
-            </a:r>
-          </a:p>
-          <a:p>
-            <a:pPr algn="l" rtl="0">
-              <a:defRPr/>
-            </a:pPr>
-            <a:endParaRPr lang="en-US" dirty="0"/>
-          </a:p>
-          <a:p>
-            <a:pPr algn="l" rtl="0">
-              <a:defRPr/>
-            </a:pPr>
-            <a:endParaRPr lang="en-US" dirty="0"/>
-          </a:p>
-          <a:p>
-            <a:pPr algn="l" rtl="0">
-              <a:defRPr/>
-            </a:pPr>
-            <a:endParaRPr lang="en-US" dirty="0"/>
-          </a:p>
-          <a:p>
-            <a:pPr algn="l" rtl="0">
-              <a:defRPr/>
-            </a:pPr>
-            <a:endParaRPr lang="en-US" dirty="0"/>
-          </a:p>
-          <a:p>
-            <a:pPr algn="l" rtl="0">
-              <a:defRPr/>
-            </a:pPr>
-            <a:endParaRPr lang="en-US" dirty="0"/>
-          </a:p>
-          <a:p>
-            <a:pPr algn="l" rtl="0">
-              <a:defRPr/>
-            </a:pPr>
-            <a:endParaRPr dirty="0"/>
-          </a:p>
-        </p:txBody>
-      </p:sp>
-      <p:sp>
-        <p:nvSpPr>
-          <p:cNvPr id="203" name="Slide Title"/>
-          <p:cNvSpPr txBox="1">
-            <a:spLocks noGrp="1"/>
-          </p:cNvSpPr>
-          <p:nvPr>
-            <p:ph type="title"/>
-          </p:nvPr>
-        </p:nvSpPr>
-        <p:spPr>
-          <a:xfrm>
-            <a:off x="1206500" y="1079500"/>
-            <a:ext cx="15783642" cy="1435100"/>
-          </a:xfrm>
-          <a:prstGeom prst="rect">
-            <a:avLst/>
-          </a:prstGeom>
-        </p:spPr>
-        <p:txBody>
-          <a:bodyPr>
-            <a:normAutofit/>
-          </a:bodyPr>
-          <a:lstStyle/>
-          <a:p>
-            <a:pPr algn="l" rtl="0">
-              <a:defRPr/>
-            </a:pPr>
-            <a:r>
-              <a:rPr lang="en-US" dirty="0"/>
-              <a:t>Node.js Testing Frameworks</a:t>
-            </a:r>
-            <a:endParaRPr dirty="0"/>
-          </a:p>
-        </p:txBody>
-      </p:sp>
-      <p:pic>
-        <p:nvPicPr>
-          <p:cNvPr id="8" name="Google Shape;167;p21">
-            <a:extLst>
-              <a:ext uri="{FF2B5EF4-FFF2-40B4-BE49-F238E27FC236}">
-                <a16:creationId xmlns:a16="http://schemas.microsoft.com/office/drawing/2014/main" id="{7E0E4EAC-7635-4EFD-992D-8A9AAE5CA54D}"/>
-              </a:ext>
-            </a:extLst>
-          </p:cNvPr>
-          <p:cNvPicPr preferRelativeResize="0"/>
-          <p:nvPr/>
-        </p:nvPicPr>
-        <p:blipFill>
-          <a:blip r:embed="rId2">
-            <a:alphaModFix/>
-          </a:blip>
-          <a:stretch>
-            <a:fillRect/>
-          </a:stretch>
-        </p:blipFill>
-        <p:spPr>
-          <a:xfrm>
-            <a:off x="5275006" y="7189224"/>
-            <a:ext cx="13833987" cy="3783576"/>
-          </a:xfrm>
-          <a:prstGeom prst="rect">
-            <a:avLst/>
-          </a:prstGeom>
-          <a:noFill/>
-          <a:ln>
-            <a:noFill/>
-          </a:ln>
-        </p:spPr>
-      </p:pic>
-    </p:spTree>
-    <p:extLst>
-      <p:ext uri="{BB962C8B-B14F-4D97-AF65-F5344CB8AC3E}">
-        <p14:creationId xmlns:p14="http://schemas.microsoft.com/office/powerpoint/2010/main" val="1533944052"/>
-      </p:ext>
-    </p:extLst>
-  </p:cSld>
-  <p:clrMapOvr>
-    <a:masterClrMapping/>
-  </p:clrMapOvr>
-  <p:transition spd="med"/>
-</p:sld>
-</file>
-
-<file path=ppt/slides/slide5.xml><?xml version="1.0" encoding="utf-8"?>
-<p:sld xmlns:a="http://schemas.openxmlformats.org/drawingml/2006/main" xmlns:r="http://schemas.openxmlformats.org/officeDocument/2006/relationships" xmlns:p="http://schemas.openxmlformats.org/presentationml/2006/main">
-  <p:cSld>
-    <p:spTree>
-      <p:nvGrpSpPr>
-        <p:cNvPr id="1" name=""/>
-        <p:cNvGrpSpPr/>
-        <p:nvPr/>
-      </p:nvGrpSpPr>
-      <p:grpSpPr>
-        <a:xfrm>
-          <a:off x="0" y="0"/>
-          <a:ext cx="0" cy="0"/>
-          <a:chOff x="0" y="0"/>
-          <a:chExt cx="0" cy="0"/>
-        </a:xfrm>
-      </p:grpSpPr>
-      <p:sp>
-        <p:nvSpPr>
-          <p:cNvPr id="200" name="Slide Subtitle"/>
-          <p:cNvSpPr txBox="1">
-            <a:spLocks noGrp="1"/>
-          </p:cNvSpPr>
-          <p:nvPr>
-            <p:ph type="body" idx="21"/>
-          </p:nvPr>
-        </p:nvSpPr>
-        <p:spPr>
-          <a:prstGeom prst="rect">
-            <a:avLst/>
-          </a:prstGeom>
-        </p:spPr>
-        <p:txBody>
-          <a:bodyPr/>
-          <a:lstStyle/>
-          <a:p>
-            <a:pPr rtl="0">
-              <a:defRPr/>
-            </a:pPr>
-            <a:endParaRPr/>
-          </a:p>
-        </p:txBody>
-      </p:sp>
-      <p:sp>
-        <p:nvSpPr>
-          <p:cNvPr id="201" name="Slide bullet text"/>
-          <p:cNvSpPr txBox="1">
-            <a:spLocks noGrp="1"/>
-          </p:cNvSpPr>
-          <p:nvPr>
-            <p:ph type="body" sz="half" idx="1"/>
-          </p:nvPr>
-        </p:nvSpPr>
-        <p:spPr>
-          <a:xfrm>
-            <a:off x="1206499" y="4248504"/>
-            <a:ext cx="21900623" cy="8256630"/>
-          </a:xfrm>
-          <a:prstGeom prst="rect">
-            <a:avLst/>
-          </a:prstGeom>
-        </p:spPr>
-        <p:txBody>
-          <a:bodyPr/>
-          <a:lstStyle/>
-          <a:p>
-            <a:pPr marL="514350" indent="-514350" algn="l" rtl="0">
-              <a:buFont typeface="+mj-lt"/>
-              <a:buAutoNum type="arabicPeriod" startAt="8"/>
-              <a:defRPr/>
-            </a:pPr>
-            <a:r>
-              <a:rPr lang="en-US" dirty="0"/>
-              <a:t>Write more test scripts in your test file to test different end points. See screenshot below on how to test for end points.</a:t>
-            </a:r>
-          </a:p>
-          <a:p>
-            <a:pPr algn="l" rtl="0">
-              <a:defRPr/>
-            </a:pPr>
-            <a:endParaRPr lang="en-US" dirty="0"/>
-          </a:p>
-          <a:p>
-            <a:pPr algn="l" rtl="0">
-              <a:defRPr/>
-            </a:pPr>
-            <a:endParaRPr lang="en-US" dirty="0"/>
-          </a:p>
-          <a:p>
-            <a:pPr algn="l" rtl="0">
-              <a:defRPr/>
-            </a:pPr>
-            <a:endParaRPr lang="en-US" dirty="0"/>
-          </a:p>
-          <a:p>
-            <a:pPr algn="l" rtl="0">
-              <a:defRPr/>
-            </a:pPr>
-            <a:endParaRPr lang="en-US" dirty="0"/>
-          </a:p>
-          <a:p>
-            <a:pPr algn="l" rtl="0">
-              <a:defRPr/>
-            </a:pPr>
-            <a:endParaRPr lang="en-US" dirty="0"/>
-          </a:p>
-          <a:p>
-            <a:pPr algn="l" rtl="0">
-              <a:defRPr/>
-            </a:pPr>
-            <a:endParaRPr dirty="0"/>
-          </a:p>
-        </p:txBody>
-      </p:sp>
-      <p:sp>
-        <p:nvSpPr>
-          <p:cNvPr id="203" name="Slide Title"/>
-          <p:cNvSpPr txBox="1">
-            <a:spLocks noGrp="1"/>
-          </p:cNvSpPr>
-          <p:nvPr>
-            <p:ph type="title"/>
-          </p:nvPr>
-        </p:nvSpPr>
-        <p:spPr>
-          <a:xfrm>
-            <a:off x="1206499" y="1079500"/>
-            <a:ext cx="15046223" cy="1435100"/>
-          </a:xfrm>
-          <a:prstGeom prst="rect">
-            <a:avLst/>
-          </a:prstGeom>
-        </p:spPr>
-        <p:txBody>
-          <a:bodyPr>
-            <a:normAutofit/>
-          </a:bodyPr>
-          <a:lstStyle/>
-          <a:p>
-            <a:pPr algn="l" rtl="0">
-              <a:defRPr/>
-            </a:pPr>
-            <a:r>
-              <a:rPr lang="en-US" dirty="0"/>
-              <a:t>Node.js Testing Frameworks</a:t>
-            </a:r>
-            <a:endParaRPr dirty="0"/>
-          </a:p>
-        </p:txBody>
-      </p:sp>
-      <p:sp>
-        <p:nvSpPr>
-          <p:cNvPr id="5" name="عنصر نائب للصورة 4">
-            <a:extLst>
-              <a:ext uri="{FF2B5EF4-FFF2-40B4-BE49-F238E27FC236}">
-                <a16:creationId xmlns:a16="http://schemas.microsoft.com/office/drawing/2014/main" id="{2B3085DA-D49E-40AB-A22B-EDC9524CF65F}"/>
-              </a:ext>
-            </a:extLst>
-          </p:cNvPr>
-          <p:cNvSpPr>
-            <a:spLocks noGrp="1"/>
-          </p:cNvSpPr>
-          <p:nvPr>
-            <p:ph type="pic" sz="half" idx="22"/>
-          </p:nvPr>
-        </p:nvSpPr>
-        <p:spPr/>
-      </p:sp>
-      <p:pic>
-        <p:nvPicPr>
-          <p:cNvPr id="10" name="Google Shape;175;p22">
-            <a:extLst>
-              <a:ext uri="{FF2B5EF4-FFF2-40B4-BE49-F238E27FC236}">
-                <a16:creationId xmlns:a16="http://schemas.microsoft.com/office/drawing/2014/main" id="{76CB9B8F-160D-44E9-9CFE-2C9901B7ABA4}"/>
-              </a:ext>
-            </a:extLst>
-          </p:cNvPr>
-          <p:cNvPicPr preferRelativeResize="0"/>
-          <p:nvPr/>
-        </p:nvPicPr>
-        <p:blipFill>
-          <a:blip r:embed="rId2">
-            <a:alphaModFix/>
-          </a:blip>
-          <a:stretch>
-            <a:fillRect/>
-          </a:stretch>
-        </p:blipFill>
-        <p:spPr>
-          <a:xfrm>
-            <a:off x="5403884" y="5680640"/>
-            <a:ext cx="13579734" cy="5826159"/>
-          </a:xfrm>
-          <a:prstGeom prst="rect">
-            <a:avLst/>
-          </a:prstGeom>
-          <a:noFill/>
-          <a:ln>
-            <a:noFill/>
-          </a:ln>
-        </p:spPr>
-      </p:pic>
-    </p:spTree>
-    <p:extLst>
-      <p:ext uri="{BB962C8B-B14F-4D97-AF65-F5344CB8AC3E}">
-        <p14:creationId xmlns:p14="http://schemas.microsoft.com/office/powerpoint/2010/main" val="3803551320"/>
-      </p:ext>
-    </p:extLst>
-  </p:cSld>
-  <p:clrMapOvr>
-    <a:masterClrMapping/>
-  </p:clrMapOvr>
-  <p:transition spd="med"/>
-</p:sld>
-</file>
-
-<file path=ppt/slides/slide6.xml><?xml version="1.0" encoding="utf-8"?>
-<p:sld xmlns:a="http://schemas.openxmlformats.org/drawingml/2006/main" xmlns:r="http://schemas.openxmlformats.org/officeDocument/2006/relationships" xmlns:p="http://schemas.openxmlformats.org/presentationml/2006/main">
-  <p:cSld>
-    <p:spTree>
-      <p:nvGrpSpPr>
-        <p:cNvPr id="1" name=""/>
-        <p:cNvGrpSpPr/>
-        <p:nvPr/>
-      </p:nvGrpSpPr>
-      <p:grpSpPr>
-        <a:xfrm>
-          <a:off x="0" y="0"/>
-          <a:ext cx="0" cy="0"/>
-          <a:chOff x="0" y="0"/>
-          <a:chExt cx="0" cy="0"/>
-        </a:xfrm>
-      </p:grpSpPr>
-      <p:sp>
-        <p:nvSpPr>
-          <p:cNvPr id="200" name="Slide Subtitle"/>
-          <p:cNvSpPr txBox="1">
-            <a:spLocks noGrp="1"/>
-          </p:cNvSpPr>
-          <p:nvPr>
-            <p:ph type="body" idx="21"/>
-          </p:nvPr>
-        </p:nvSpPr>
-        <p:spPr>
-          <a:prstGeom prst="rect">
-            <a:avLst/>
-          </a:prstGeom>
-        </p:spPr>
-        <p:txBody>
-          <a:bodyPr/>
-          <a:lstStyle/>
-          <a:p>
-            <a:pPr rtl="0">
-              <a:defRPr/>
-            </a:pPr>
-            <a:endParaRPr/>
-          </a:p>
-        </p:txBody>
-      </p:sp>
-      <p:sp>
-        <p:nvSpPr>
-          <p:cNvPr id="201" name="Slide bullet text"/>
-          <p:cNvSpPr txBox="1">
-            <a:spLocks noGrp="1"/>
-          </p:cNvSpPr>
-          <p:nvPr>
-            <p:ph type="body" sz="half" idx="1"/>
-          </p:nvPr>
-        </p:nvSpPr>
-        <p:spPr>
-          <a:xfrm>
-            <a:off x="1206499" y="4248504"/>
-            <a:ext cx="21900623" cy="8256630"/>
-          </a:xfrm>
-          <a:prstGeom prst="rect">
-            <a:avLst/>
-          </a:prstGeom>
-        </p:spPr>
-        <p:txBody>
-          <a:bodyPr/>
-          <a:lstStyle/>
-          <a:p>
-            <a:pPr algn="l" rtl="0">
-              <a:defRPr/>
-            </a:pPr>
-            <a:r>
-              <a:rPr lang="en-US" dirty="0"/>
-              <a:t>Now run </a:t>
-            </a:r>
-            <a:r>
-              <a:rPr lang="en-US" dirty="0" err="1">
-                <a:solidFill>
-                  <a:srgbClr val="0093A1"/>
-                </a:solidFill>
-                <a:latin typeface="Consolas" panose="020B0609020204030204" pitchFamily="49" charset="0"/>
-              </a:rPr>
-              <a:t>npm</a:t>
-            </a:r>
-            <a:r>
-              <a:rPr lang="en-US" dirty="0">
-                <a:solidFill>
-                  <a:srgbClr val="0093A1"/>
-                </a:solidFill>
-                <a:latin typeface="Consolas" panose="020B0609020204030204" pitchFamily="49" charset="0"/>
-              </a:rPr>
-              <a:t> test </a:t>
-            </a:r>
-            <a:r>
-              <a:rPr lang="en-US" dirty="0"/>
-              <a:t>to see the updated tests in your terminal.</a:t>
-            </a:r>
-          </a:p>
-          <a:p>
-            <a:pPr algn="l" rtl="0">
-              <a:defRPr/>
-            </a:pPr>
-            <a:endParaRPr lang="en-US" dirty="0"/>
-          </a:p>
-          <a:p>
-            <a:pPr algn="l" rtl="0">
-              <a:defRPr/>
-            </a:pPr>
-            <a:endParaRPr lang="en-US" dirty="0"/>
-          </a:p>
-          <a:p>
-            <a:pPr algn="l" rtl="0">
-              <a:defRPr/>
-            </a:pPr>
-            <a:endParaRPr lang="en-US" dirty="0"/>
-          </a:p>
-          <a:p>
-            <a:pPr algn="l" rtl="0">
-              <a:defRPr/>
-            </a:pPr>
-            <a:endParaRPr lang="en-US" dirty="0"/>
-          </a:p>
-          <a:p>
-            <a:pPr algn="l" rtl="0">
-              <a:defRPr/>
-            </a:pPr>
-            <a:r>
-              <a:rPr lang="en-US" dirty="0"/>
-              <a:t>We can fail one test on purpose to see the different output, See example with about end point for this example ...</a:t>
-            </a:r>
-          </a:p>
-          <a:p>
-            <a:pPr algn="l" rtl="0">
-              <a:defRPr/>
-            </a:pPr>
-            <a:endParaRPr dirty="0"/>
-          </a:p>
-        </p:txBody>
-      </p:sp>
-      <p:sp>
-        <p:nvSpPr>
-          <p:cNvPr id="203" name="Slide Title"/>
-          <p:cNvSpPr txBox="1">
-            <a:spLocks noGrp="1"/>
-          </p:cNvSpPr>
-          <p:nvPr>
-            <p:ph type="title"/>
-          </p:nvPr>
-        </p:nvSpPr>
-        <p:spPr>
-          <a:xfrm>
-            <a:off x="1206499" y="1079500"/>
-            <a:ext cx="18172881" cy="1435100"/>
-          </a:xfrm>
-          <a:prstGeom prst="rect">
-            <a:avLst/>
-          </a:prstGeom>
-        </p:spPr>
-        <p:txBody>
-          <a:bodyPr>
-            <a:normAutofit/>
-          </a:bodyPr>
-          <a:lstStyle/>
-          <a:p>
-            <a:pPr algn="l" rtl="0">
-              <a:defRPr/>
-            </a:pPr>
-            <a:r>
-              <a:rPr lang="en-US" dirty="0"/>
-              <a:t>Node.js Testing Frameworks</a:t>
-            </a:r>
-            <a:endParaRPr dirty="0"/>
-          </a:p>
-        </p:txBody>
-      </p:sp>
-      <p:sp>
-        <p:nvSpPr>
-          <p:cNvPr id="3" name="عنصر نائب للصورة 2">
-            <a:extLst>
-              <a:ext uri="{FF2B5EF4-FFF2-40B4-BE49-F238E27FC236}">
-                <a16:creationId xmlns:a16="http://schemas.microsoft.com/office/drawing/2014/main" id="{B7341274-89B0-4210-95BB-AA2DADFDC0DA}"/>
-              </a:ext>
-            </a:extLst>
-          </p:cNvPr>
-          <p:cNvSpPr>
-            <a:spLocks noGrp="1"/>
-          </p:cNvSpPr>
-          <p:nvPr>
-            <p:ph type="pic" sz="half" idx="22"/>
-          </p:nvPr>
-        </p:nvSpPr>
-        <p:spPr/>
-      </p:sp>
-      <p:pic>
-        <p:nvPicPr>
-          <p:cNvPr id="8" name="Google Shape;183;p23">
-            <a:extLst>
-              <a:ext uri="{FF2B5EF4-FFF2-40B4-BE49-F238E27FC236}">
-                <a16:creationId xmlns:a16="http://schemas.microsoft.com/office/drawing/2014/main" id="{7A4A7155-AA7F-4690-9806-DCA35CD898C7}"/>
-              </a:ext>
-            </a:extLst>
-          </p:cNvPr>
-          <p:cNvPicPr preferRelativeResize="0"/>
-          <p:nvPr/>
-        </p:nvPicPr>
-        <p:blipFill>
-          <a:blip r:embed="rId2">
-            <a:alphaModFix/>
-          </a:blip>
-          <a:stretch>
-            <a:fillRect/>
-          </a:stretch>
-        </p:blipFill>
-        <p:spPr>
-          <a:xfrm>
-            <a:off x="6625538" y="5096198"/>
-            <a:ext cx="11129423" cy="3523604"/>
-          </a:xfrm>
-          <a:prstGeom prst="rect">
-            <a:avLst/>
-          </a:prstGeom>
-          <a:noFill/>
-          <a:ln>
-            <a:noFill/>
-          </a:ln>
-        </p:spPr>
-      </p:pic>
-    </p:spTree>
-    <p:extLst>
-      <p:ext uri="{BB962C8B-B14F-4D97-AF65-F5344CB8AC3E}">
-        <p14:creationId xmlns:p14="http://schemas.microsoft.com/office/powerpoint/2010/main" val="2336790528"/>
-      </p:ext>
-    </p:extLst>
-  </p:cSld>
-  <p:clrMapOvr>
-    <a:masterClrMapping/>
-  </p:clrMapOvr>
-  <p:transition spd="med"/>
-</p:sld>
-</file>
-
-<file path=ppt/slides/slide7.xml><?xml version="1.0" encoding="utf-8"?>
+<file path=ppt/slides/slide10.xml><?xml version="1.0" encoding="utf-8"?>
 <p:sld xmlns:a="http://schemas.openxmlformats.org/drawingml/2006/main" xmlns:r="http://schemas.openxmlformats.org/officeDocument/2006/relationships" xmlns:p="http://schemas.openxmlformats.org/presentationml/2006/main">
   <p:cSld>
     <p:spTree>
@@ -10057,7 +8813,7 @@
 </p:sld>
 </file>
 
-<file path=ppt/slides/slide8.xml><?xml version="1.0" encoding="utf-8"?>
+<file path=ppt/slides/slide11.xml><?xml version="1.0" encoding="utf-8"?>
 <p:sld xmlns:a="http://schemas.openxmlformats.org/drawingml/2006/main" xmlns:r="http://schemas.openxmlformats.org/officeDocument/2006/relationships" xmlns:p="http://schemas.openxmlformats.org/presentationml/2006/main">
   <p:cSld>
     <p:spTree>
@@ -10369,6 +9125,1952 @@
     <p:extLst>
       <p:ext uri="{BB962C8B-B14F-4D97-AF65-F5344CB8AC3E}">
         <p14:creationId xmlns:p14="http://schemas.microsoft.com/office/powerpoint/2010/main" val="281981246"/>
+      </p:ext>
+    </p:extLst>
+  </p:cSld>
+  <p:clrMapOvr>
+    <a:masterClrMapping/>
+  </p:clrMapOvr>
+  <p:transition spd="med"/>
+</p:sld>
+</file>
+
+<file path=ppt/slides/slide2.xml><?xml version="1.0" encoding="utf-8"?>
+<p:sld xmlns:a="http://schemas.openxmlformats.org/drawingml/2006/main" xmlns:r="http://schemas.openxmlformats.org/officeDocument/2006/relationships" xmlns:p="http://schemas.openxmlformats.org/presentationml/2006/main">
+  <p:cSld>
+    <p:spTree>
+      <p:nvGrpSpPr>
+        <p:cNvPr id="1" name=""/>
+        <p:cNvGrpSpPr/>
+        <p:nvPr/>
+      </p:nvGrpSpPr>
+      <p:grpSpPr>
+        <a:xfrm>
+          <a:off x="0" y="0"/>
+          <a:ext cx="0" cy="0"/>
+          <a:chOff x="0" y="0"/>
+          <a:chExt cx="0" cy="0"/>
+        </a:xfrm>
+      </p:grpSpPr>
+      <p:sp>
+        <p:nvSpPr>
+          <p:cNvPr id="200" name="Slide Subtitle"/>
+          <p:cNvSpPr txBox="1">
+            <a:spLocks noGrp="1"/>
+          </p:cNvSpPr>
+          <p:nvPr>
+            <p:ph type="body" idx="21"/>
+          </p:nvPr>
+        </p:nvSpPr>
+        <p:spPr>
+          <a:prstGeom prst="rect">
+            <a:avLst/>
+          </a:prstGeom>
+        </p:spPr>
+        <p:txBody>
+          <a:bodyPr/>
+          <a:lstStyle/>
+          <a:p>
+            <a:pPr rtl="0">
+              <a:defRPr/>
+            </a:pPr>
+            <a:endParaRPr/>
+          </a:p>
+        </p:txBody>
+      </p:sp>
+      <p:sp>
+        <p:nvSpPr>
+          <p:cNvPr id="201" name="Slide bullet text"/>
+          <p:cNvSpPr txBox="1">
+            <a:spLocks noGrp="1"/>
+          </p:cNvSpPr>
+          <p:nvPr>
+            <p:ph type="body" sz="half" idx="1"/>
+          </p:nvPr>
+        </p:nvSpPr>
+        <p:spPr>
+          <a:xfrm>
+            <a:off x="1206500" y="4248504"/>
+            <a:ext cx="18851306" cy="8256630"/>
+          </a:xfrm>
+          <a:prstGeom prst="rect">
+            <a:avLst/>
+          </a:prstGeom>
+        </p:spPr>
+        <p:txBody>
+          <a:bodyPr>
+            <a:normAutofit/>
+          </a:bodyPr>
+          <a:lstStyle/>
+          <a:p>
+            <a:pPr marL="0" indent="0" algn="l" rtl="0">
+              <a:buNone/>
+              <a:defRPr/>
+            </a:pPr>
+            <a:r>
+              <a:rPr lang="en-US" sz="4400" dirty="0">
+                <a:solidFill>
+                  <a:srgbClr val="FFC000"/>
+                </a:solidFill>
+              </a:rPr>
+              <a:t>What is Mocha?</a:t>
+            </a:r>
+            <a:endParaRPr sz="4400" dirty="0">
+              <a:solidFill>
+                <a:srgbClr val="FFC000"/>
+              </a:solidFill>
+            </a:endParaRPr>
+          </a:p>
+        </p:txBody>
+      </p:sp>
+      <p:sp>
+        <p:nvSpPr>
+          <p:cNvPr id="203" name="Slide Title"/>
+          <p:cNvSpPr txBox="1">
+            <a:spLocks noGrp="1"/>
+          </p:cNvSpPr>
+          <p:nvPr>
+            <p:ph type="title"/>
+          </p:nvPr>
+        </p:nvSpPr>
+        <p:spPr>
+          <a:xfrm>
+            <a:off x="1206500" y="1079500"/>
+            <a:ext cx="15695152" cy="1435100"/>
+          </a:xfrm>
+          <a:prstGeom prst="rect">
+            <a:avLst/>
+          </a:prstGeom>
+        </p:spPr>
+        <p:txBody>
+          <a:bodyPr>
+            <a:normAutofit/>
+          </a:bodyPr>
+          <a:lstStyle/>
+          <a:p>
+            <a:pPr algn="l" rtl="0">
+              <a:defRPr/>
+            </a:pPr>
+            <a:r>
+              <a:rPr lang="en-US" dirty="0"/>
+              <a:t>Node.js Testing Frameworks</a:t>
+            </a:r>
+            <a:endParaRPr dirty="0"/>
+          </a:p>
+        </p:txBody>
+      </p:sp>
+      <p:pic>
+        <p:nvPicPr>
+          <p:cNvPr id="3" name="صورة 2">
+            <a:extLst>
+              <a:ext uri="{FF2B5EF4-FFF2-40B4-BE49-F238E27FC236}">
+                <a16:creationId xmlns:a16="http://schemas.microsoft.com/office/drawing/2014/main" id="{03670EA6-E1D1-45D6-9A98-5AA62E1CD5DD}"/>
+              </a:ext>
+            </a:extLst>
+          </p:cNvPr>
+          <p:cNvPicPr>
+            <a:picLocks noChangeAspect="1"/>
+          </p:cNvPicPr>
+          <p:nvPr/>
+        </p:nvPicPr>
+        <p:blipFill rotWithShape="1">
+          <a:blip r:embed="rId3"/>
+          <a:srcRect l="9009" t="32343" r="9234" b="9279"/>
+          <a:stretch/>
+        </p:blipFill>
+        <p:spPr>
+          <a:xfrm>
+            <a:off x="3116372" y="5041646"/>
+            <a:ext cx="18151256" cy="7290397"/>
+          </a:xfrm>
+          <a:prstGeom prst="rect">
+            <a:avLst/>
+          </a:prstGeom>
+        </p:spPr>
+      </p:pic>
+    </p:spTree>
+    <p:extLst>
+      <p:ext uri="{BB962C8B-B14F-4D97-AF65-F5344CB8AC3E}">
+        <p14:creationId xmlns:p14="http://schemas.microsoft.com/office/powerpoint/2010/main" val="2813518232"/>
+      </p:ext>
+    </p:extLst>
+  </p:cSld>
+  <p:clrMapOvr>
+    <a:masterClrMapping/>
+  </p:clrMapOvr>
+  <p:transition spd="med"/>
+</p:sld>
+</file>
+
+<file path=ppt/slides/slide3.xml><?xml version="1.0" encoding="utf-8"?>
+<p:sld xmlns:a="http://schemas.openxmlformats.org/drawingml/2006/main" xmlns:r="http://schemas.openxmlformats.org/officeDocument/2006/relationships" xmlns:p="http://schemas.openxmlformats.org/presentationml/2006/main">
+  <p:cSld>
+    <p:spTree>
+      <p:nvGrpSpPr>
+        <p:cNvPr id="1" name=""/>
+        <p:cNvGrpSpPr/>
+        <p:nvPr/>
+      </p:nvGrpSpPr>
+      <p:grpSpPr>
+        <a:xfrm>
+          <a:off x="0" y="0"/>
+          <a:ext cx="0" cy="0"/>
+          <a:chOff x="0" y="0"/>
+          <a:chExt cx="0" cy="0"/>
+        </a:xfrm>
+      </p:grpSpPr>
+      <p:sp>
+        <p:nvSpPr>
+          <p:cNvPr id="200" name="Slide Subtitle"/>
+          <p:cNvSpPr txBox="1">
+            <a:spLocks noGrp="1"/>
+          </p:cNvSpPr>
+          <p:nvPr>
+            <p:ph type="body" idx="21"/>
+          </p:nvPr>
+        </p:nvSpPr>
+        <p:spPr>
+          <a:prstGeom prst="rect">
+            <a:avLst/>
+          </a:prstGeom>
+        </p:spPr>
+        <p:txBody>
+          <a:bodyPr/>
+          <a:lstStyle/>
+          <a:p>
+            <a:pPr rtl="0">
+              <a:defRPr/>
+            </a:pPr>
+            <a:endParaRPr/>
+          </a:p>
+        </p:txBody>
+      </p:sp>
+      <p:sp>
+        <p:nvSpPr>
+          <p:cNvPr id="201" name="Slide bullet text"/>
+          <p:cNvSpPr txBox="1">
+            <a:spLocks noGrp="1"/>
+          </p:cNvSpPr>
+          <p:nvPr>
+            <p:ph type="body" sz="half" idx="1"/>
+          </p:nvPr>
+        </p:nvSpPr>
+        <p:spPr>
+          <a:xfrm>
+            <a:off x="1206500" y="4248504"/>
+            <a:ext cx="18851306" cy="8256630"/>
+          </a:xfrm>
+          <a:prstGeom prst="rect">
+            <a:avLst/>
+          </a:prstGeom>
+        </p:spPr>
+        <p:txBody>
+          <a:bodyPr>
+            <a:normAutofit/>
+          </a:bodyPr>
+          <a:lstStyle/>
+          <a:p>
+            <a:pPr marL="0" indent="0" algn="l" rtl="0">
+              <a:buNone/>
+              <a:defRPr/>
+            </a:pPr>
+            <a:r>
+              <a:rPr lang="en-US" sz="4400" dirty="0">
+                <a:solidFill>
+                  <a:srgbClr val="FFC000"/>
+                </a:solidFill>
+              </a:rPr>
+              <a:t>What is Chai?</a:t>
+            </a:r>
+            <a:endParaRPr sz="4400" dirty="0">
+              <a:solidFill>
+                <a:srgbClr val="FFC000"/>
+              </a:solidFill>
+            </a:endParaRPr>
+          </a:p>
+        </p:txBody>
+      </p:sp>
+      <p:sp>
+        <p:nvSpPr>
+          <p:cNvPr id="203" name="Slide Title"/>
+          <p:cNvSpPr txBox="1">
+            <a:spLocks noGrp="1"/>
+          </p:cNvSpPr>
+          <p:nvPr>
+            <p:ph type="title"/>
+          </p:nvPr>
+        </p:nvSpPr>
+        <p:spPr>
+          <a:xfrm>
+            <a:off x="1206500" y="1079500"/>
+            <a:ext cx="15695152" cy="1435100"/>
+          </a:xfrm>
+          <a:prstGeom prst="rect">
+            <a:avLst/>
+          </a:prstGeom>
+        </p:spPr>
+        <p:txBody>
+          <a:bodyPr>
+            <a:normAutofit/>
+          </a:bodyPr>
+          <a:lstStyle/>
+          <a:p>
+            <a:pPr algn="l" rtl="0">
+              <a:defRPr/>
+            </a:pPr>
+            <a:r>
+              <a:rPr lang="en-US" dirty="0"/>
+              <a:t>Node.js Testing Frameworks</a:t>
+            </a:r>
+            <a:endParaRPr dirty="0"/>
+          </a:p>
+        </p:txBody>
+      </p:sp>
+      <p:pic>
+        <p:nvPicPr>
+          <p:cNvPr id="3" name="صورة 2">
+            <a:extLst>
+              <a:ext uri="{FF2B5EF4-FFF2-40B4-BE49-F238E27FC236}">
+                <a16:creationId xmlns:a16="http://schemas.microsoft.com/office/drawing/2014/main" id="{DD7E0AEE-A2D6-4DD3-BD89-22F3F68A09F2}"/>
+              </a:ext>
+            </a:extLst>
+          </p:cNvPr>
+          <p:cNvPicPr>
+            <a:picLocks noChangeAspect="1"/>
+          </p:cNvPicPr>
+          <p:nvPr/>
+        </p:nvPicPr>
+        <p:blipFill rotWithShape="1">
+          <a:blip r:embed="rId3"/>
+          <a:srcRect l="9279" t="32344" r="9505" b="8798"/>
+          <a:stretch/>
+        </p:blipFill>
+        <p:spPr>
+          <a:xfrm>
+            <a:off x="3643463" y="5288315"/>
+            <a:ext cx="17097074" cy="6969587"/>
+          </a:xfrm>
+          <a:prstGeom prst="rect">
+            <a:avLst/>
+          </a:prstGeom>
+        </p:spPr>
+      </p:pic>
+    </p:spTree>
+    <p:extLst>
+      <p:ext uri="{BB962C8B-B14F-4D97-AF65-F5344CB8AC3E}">
+        <p14:creationId xmlns:p14="http://schemas.microsoft.com/office/powerpoint/2010/main" val="952065689"/>
+      </p:ext>
+    </p:extLst>
+  </p:cSld>
+  <p:clrMapOvr>
+    <a:masterClrMapping/>
+  </p:clrMapOvr>
+  <p:transition spd="med"/>
+</p:sld>
+</file>
+
+<file path=ppt/slides/slide4.xml><?xml version="1.0" encoding="utf-8"?>
+<p:sld xmlns:a="http://schemas.openxmlformats.org/drawingml/2006/main" xmlns:r="http://schemas.openxmlformats.org/officeDocument/2006/relationships" xmlns:p="http://schemas.openxmlformats.org/presentationml/2006/main">
+  <p:cSld>
+    <p:spTree>
+      <p:nvGrpSpPr>
+        <p:cNvPr id="1" name=""/>
+        <p:cNvGrpSpPr/>
+        <p:nvPr/>
+      </p:nvGrpSpPr>
+      <p:grpSpPr>
+        <a:xfrm>
+          <a:off x="0" y="0"/>
+          <a:ext cx="0" cy="0"/>
+          <a:chOff x="0" y="0"/>
+          <a:chExt cx="0" cy="0"/>
+        </a:xfrm>
+      </p:grpSpPr>
+      <p:sp>
+        <p:nvSpPr>
+          <p:cNvPr id="200" name="Slide Subtitle"/>
+          <p:cNvSpPr txBox="1">
+            <a:spLocks noGrp="1"/>
+          </p:cNvSpPr>
+          <p:nvPr>
+            <p:ph type="body" idx="21"/>
+          </p:nvPr>
+        </p:nvSpPr>
+        <p:spPr>
+          <a:prstGeom prst="rect">
+            <a:avLst/>
+          </a:prstGeom>
+        </p:spPr>
+        <p:txBody>
+          <a:bodyPr/>
+          <a:lstStyle/>
+          <a:p>
+            <a:pPr rtl="0">
+              <a:defRPr/>
+            </a:pPr>
+            <a:endParaRPr/>
+          </a:p>
+        </p:txBody>
+      </p:sp>
+      <p:sp>
+        <p:nvSpPr>
+          <p:cNvPr id="201" name="Slide bullet text"/>
+          <p:cNvSpPr txBox="1">
+            <a:spLocks noGrp="1"/>
+          </p:cNvSpPr>
+          <p:nvPr>
+            <p:ph type="body" sz="half" idx="1"/>
+          </p:nvPr>
+        </p:nvSpPr>
+        <p:spPr>
+          <a:xfrm>
+            <a:off x="1206500" y="4248504"/>
+            <a:ext cx="18851306" cy="8256630"/>
+          </a:xfrm>
+          <a:prstGeom prst="rect">
+            <a:avLst/>
+          </a:prstGeom>
+        </p:spPr>
+        <p:txBody>
+          <a:bodyPr>
+            <a:normAutofit/>
+          </a:bodyPr>
+          <a:lstStyle/>
+          <a:p>
+            <a:pPr marL="0" indent="0" algn="l" rtl="0">
+              <a:buNone/>
+              <a:defRPr/>
+            </a:pPr>
+            <a:r>
+              <a:rPr lang="en-US" sz="4400" dirty="0">
+                <a:solidFill>
+                  <a:srgbClr val="FFC000"/>
+                </a:solidFill>
+              </a:rPr>
+              <a:t>Chai assertion styles</a:t>
+            </a:r>
+            <a:endParaRPr sz="4400" dirty="0">
+              <a:solidFill>
+                <a:srgbClr val="FFC000"/>
+              </a:solidFill>
+            </a:endParaRPr>
+          </a:p>
+        </p:txBody>
+      </p:sp>
+      <p:sp>
+        <p:nvSpPr>
+          <p:cNvPr id="203" name="Slide Title"/>
+          <p:cNvSpPr txBox="1">
+            <a:spLocks noGrp="1"/>
+          </p:cNvSpPr>
+          <p:nvPr>
+            <p:ph type="title"/>
+          </p:nvPr>
+        </p:nvSpPr>
+        <p:spPr>
+          <a:xfrm>
+            <a:off x="1206500" y="1079500"/>
+            <a:ext cx="15695152" cy="1435100"/>
+          </a:xfrm>
+          <a:prstGeom prst="rect">
+            <a:avLst/>
+          </a:prstGeom>
+        </p:spPr>
+        <p:txBody>
+          <a:bodyPr>
+            <a:normAutofit/>
+          </a:bodyPr>
+          <a:lstStyle/>
+          <a:p>
+            <a:pPr algn="l" rtl="0">
+              <a:defRPr/>
+            </a:pPr>
+            <a:r>
+              <a:rPr lang="en-US" dirty="0"/>
+              <a:t>Node.js Testing Frameworks</a:t>
+            </a:r>
+            <a:endParaRPr dirty="0"/>
+          </a:p>
+        </p:txBody>
+      </p:sp>
+      <p:pic>
+        <p:nvPicPr>
+          <p:cNvPr id="3" name="صورة 2">
+            <a:extLst>
+              <a:ext uri="{FF2B5EF4-FFF2-40B4-BE49-F238E27FC236}">
+                <a16:creationId xmlns:a16="http://schemas.microsoft.com/office/drawing/2014/main" id="{5281E625-0675-4945-8FE2-10947B1E9B54}"/>
+              </a:ext>
+            </a:extLst>
+          </p:cNvPr>
+          <p:cNvPicPr>
+            <a:picLocks noChangeAspect="1"/>
+          </p:cNvPicPr>
+          <p:nvPr/>
+        </p:nvPicPr>
+        <p:blipFill rotWithShape="1">
+          <a:blip r:embed="rId3"/>
+          <a:srcRect l="9144" t="32343" r="8829" b="8558"/>
+          <a:stretch/>
+        </p:blipFill>
+        <p:spPr>
+          <a:xfrm>
+            <a:off x="3288884" y="5041646"/>
+            <a:ext cx="17806231" cy="7216257"/>
+          </a:xfrm>
+          <a:prstGeom prst="rect">
+            <a:avLst/>
+          </a:prstGeom>
+        </p:spPr>
+      </p:pic>
+    </p:spTree>
+    <p:extLst>
+      <p:ext uri="{BB962C8B-B14F-4D97-AF65-F5344CB8AC3E}">
+        <p14:creationId xmlns:p14="http://schemas.microsoft.com/office/powerpoint/2010/main" val="3190373595"/>
+      </p:ext>
+    </p:extLst>
+  </p:cSld>
+  <p:clrMapOvr>
+    <a:masterClrMapping/>
+  </p:clrMapOvr>
+  <p:transition spd="med"/>
+</p:sld>
+</file>
+
+<file path=ppt/slides/slide5.xml><?xml version="1.0" encoding="utf-8"?>
+<p:sld xmlns:a="http://schemas.openxmlformats.org/drawingml/2006/main" xmlns:r="http://schemas.openxmlformats.org/officeDocument/2006/relationships" xmlns:p="http://schemas.openxmlformats.org/presentationml/2006/main">
+  <p:cSld>
+    <p:spTree>
+      <p:nvGrpSpPr>
+        <p:cNvPr id="1" name=""/>
+        <p:cNvGrpSpPr/>
+        <p:nvPr/>
+      </p:nvGrpSpPr>
+      <p:grpSpPr>
+        <a:xfrm>
+          <a:off x="0" y="0"/>
+          <a:ext cx="0" cy="0"/>
+          <a:chOff x="0" y="0"/>
+          <a:chExt cx="0" cy="0"/>
+        </a:xfrm>
+      </p:grpSpPr>
+      <p:sp>
+        <p:nvSpPr>
+          <p:cNvPr id="200" name="Slide Subtitle"/>
+          <p:cNvSpPr txBox="1">
+            <a:spLocks noGrp="1"/>
+          </p:cNvSpPr>
+          <p:nvPr>
+            <p:ph type="body" idx="21"/>
+          </p:nvPr>
+        </p:nvSpPr>
+        <p:spPr>
+          <a:prstGeom prst="rect">
+            <a:avLst/>
+          </a:prstGeom>
+        </p:spPr>
+        <p:txBody>
+          <a:bodyPr/>
+          <a:lstStyle/>
+          <a:p>
+            <a:pPr rtl="0">
+              <a:defRPr/>
+            </a:pPr>
+            <a:endParaRPr/>
+          </a:p>
+        </p:txBody>
+      </p:sp>
+      <p:sp>
+        <p:nvSpPr>
+          <p:cNvPr id="201" name="Slide bullet text"/>
+          <p:cNvSpPr txBox="1">
+            <a:spLocks noGrp="1"/>
+          </p:cNvSpPr>
+          <p:nvPr>
+            <p:ph type="body" sz="half" idx="1"/>
+          </p:nvPr>
+        </p:nvSpPr>
+        <p:spPr>
+          <a:xfrm>
+            <a:off x="1206499" y="4248504"/>
+            <a:ext cx="21900623" cy="8256630"/>
+          </a:xfrm>
+          <a:prstGeom prst="rect">
+            <a:avLst/>
+          </a:prstGeom>
+        </p:spPr>
+        <p:txBody>
+          <a:bodyPr/>
+          <a:lstStyle/>
+          <a:p>
+            <a:pPr marL="514350" indent="-514350" algn="l" rtl="0">
+              <a:buFont typeface="+mj-lt"/>
+              <a:buAutoNum type="arabicPeriod"/>
+              <a:defRPr/>
+            </a:pPr>
+            <a:r>
+              <a:rPr lang="en-US" dirty="0" err="1">
+                <a:solidFill>
+                  <a:srgbClr val="0093A1"/>
+                </a:solidFill>
+                <a:latin typeface="Consolas" panose="020B0609020204030204" pitchFamily="49" charset="0"/>
+              </a:rPr>
+              <a:t>npm</a:t>
+            </a:r>
+            <a:r>
+              <a:rPr lang="en-US" dirty="0">
+                <a:solidFill>
+                  <a:srgbClr val="0093A1"/>
+                </a:solidFill>
+                <a:latin typeface="Consolas" panose="020B0609020204030204" pitchFamily="49" charset="0"/>
+              </a:rPr>
+              <a:t> </a:t>
+            </a:r>
+            <a:r>
+              <a:rPr lang="en-US" dirty="0" err="1">
+                <a:solidFill>
+                  <a:srgbClr val="0093A1"/>
+                </a:solidFill>
+                <a:latin typeface="Consolas" panose="020B0609020204030204" pitchFamily="49" charset="0"/>
+              </a:rPr>
+              <a:t>i</a:t>
+            </a:r>
+            <a:r>
+              <a:rPr lang="en-US" dirty="0">
+                <a:solidFill>
+                  <a:srgbClr val="0093A1"/>
+                </a:solidFill>
+                <a:latin typeface="Consolas" panose="020B0609020204030204" pitchFamily="49" charset="0"/>
+              </a:rPr>
+              <a:t> mocha </a:t>
+            </a:r>
+          </a:p>
+          <a:p>
+            <a:pPr marL="514350" indent="-514350" algn="l" rtl="0">
+              <a:buFont typeface="+mj-lt"/>
+              <a:buAutoNum type="arabicPeriod"/>
+              <a:defRPr/>
+            </a:pPr>
+            <a:r>
+              <a:rPr lang="en-US" dirty="0"/>
+              <a:t>Update your scripts in </a:t>
+            </a:r>
+            <a:r>
+              <a:rPr lang="en-US" dirty="0" err="1"/>
+              <a:t>package.json</a:t>
+            </a:r>
+            <a:r>
+              <a:rPr lang="en-US" dirty="0"/>
+              <a:t> file</a:t>
+            </a:r>
+          </a:p>
+          <a:p>
+            <a:pPr marL="514350" indent="-514350" algn="l" rtl="0">
+              <a:buFont typeface="+mj-lt"/>
+              <a:buAutoNum type="arabicPeriod"/>
+              <a:defRPr/>
+            </a:pPr>
+            <a:endParaRPr lang="en-US" dirty="0"/>
+          </a:p>
+          <a:p>
+            <a:pPr marL="514350" indent="-514350" algn="l" rtl="0">
+              <a:buFont typeface="+mj-lt"/>
+              <a:buAutoNum type="arabicPeriod"/>
+              <a:defRPr/>
+            </a:pPr>
+            <a:endParaRPr lang="en-US" dirty="0"/>
+          </a:p>
+          <a:p>
+            <a:pPr marL="514350" indent="-514350" algn="l" rtl="0">
+              <a:buFont typeface="+mj-lt"/>
+              <a:buAutoNum type="arabicPeriod"/>
+              <a:defRPr/>
+            </a:pPr>
+            <a:r>
+              <a:rPr lang="en-US" dirty="0"/>
+              <a:t>Write the back end code for your express app</a:t>
+            </a:r>
+          </a:p>
+          <a:p>
+            <a:pPr algn="l" rtl="0">
+              <a:defRPr/>
+            </a:pPr>
+            <a:endParaRPr lang="en-US" dirty="0"/>
+          </a:p>
+          <a:p>
+            <a:pPr algn="l" rtl="0">
+              <a:defRPr/>
+            </a:pPr>
+            <a:endParaRPr lang="en-US" dirty="0"/>
+          </a:p>
+          <a:p>
+            <a:pPr algn="l" rtl="0">
+              <a:defRPr/>
+            </a:pPr>
+            <a:endParaRPr lang="en-US" dirty="0"/>
+          </a:p>
+          <a:p>
+            <a:pPr algn="l" rtl="0">
+              <a:defRPr/>
+            </a:pPr>
+            <a:endParaRPr lang="en-US" dirty="0"/>
+          </a:p>
+          <a:p>
+            <a:pPr algn="l" rtl="0">
+              <a:defRPr/>
+            </a:pPr>
+            <a:endParaRPr lang="en-US" dirty="0"/>
+          </a:p>
+          <a:p>
+            <a:pPr algn="l" rtl="0">
+              <a:defRPr/>
+            </a:pPr>
+            <a:endParaRPr lang="en-US" dirty="0"/>
+          </a:p>
+          <a:p>
+            <a:pPr algn="l" rtl="0">
+              <a:defRPr/>
+            </a:pPr>
+            <a:endParaRPr dirty="0"/>
+          </a:p>
+        </p:txBody>
+      </p:sp>
+      <p:sp>
+        <p:nvSpPr>
+          <p:cNvPr id="203" name="Slide Title"/>
+          <p:cNvSpPr txBox="1">
+            <a:spLocks noGrp="1"/>
+          </p:cNvSpPr>
+          <p:nvPr>
+            <p:ph type="title"/>
+          </p:nvPr>
+        </p:nvSpPr>
+        <p:spPr>
+          <a:xfrm>
+            <a:off x="1206500" y="1079500"/>
+            <a:ext cx="14574274" cy="1435100"/>
+          </a:xfrm>
+          <a:prstGeom prst="rect">
+            <a:avLst/>
+          </a:prstGeom>
+        </p:spPr>
+        <p:txBody>
+          <a:bodyPr>
+            <a:normAutofit/>
+          </a:bodyPr>
+          <a:lstStyle/>
+          <a:p>
+            <a:pPr algn="l" rtl="0">
+              <a:defRPr/>
+            </a:pPr>
+            <a:r>
+              <a:rPr lang="en-US" dirty="0"/>
+              <a:t>Node.js Testing Frameworks</a:t>
+            </a:r>
+            <a:endParaRPr dirty="0"/>
+          </a:p>
+        </p:txBody>
+      </p:sp>
+      <p:pic>
+        <p:nvPicPr>
+          <p:cNvPr id="9" name="Google Shape;151;p19">
+            <a:extLst>
+              <a:ext uri="{FF2B5EF4-FFF2-40B4-BE49-F238E27FC236}">
+                <a16:creationId xmlns:a16="http://schemas.microsoft.com/office/drawing/2014/main" id="{38D51CE9-2867-411F-9EDB-EBECEB161564}"/>
+              </a:ext>
+            </a:extLst>
+          </p:cNvPr>
+          <p:cNvPicPr preferRelativeResize="0"/>
+          <p:nvPr/>
+        </p:nvPicPr>
+        <p:blipFill rotWithShape="1">
+          <a:blip r:embed="rId3">
+            <a:alphaModFix/>
+          </a:blip>
+          <a:srcRect b="28345"/>
+          <a:stretch/>
+        </p:blipFill>
+        <p:spPr>
+          <a:xfrm>
+            <a:off x="9905935" y="8321772"/>
+            <a:ext cx="11749678" cy="4743361"/>
+          </a:xfrm>
+          <a:prstGeom prst="rect">
+            <a:avLst/>
+          </a:prstGeom>
+          <a:noFill/>
+          <a:ln>
+            <a:noFill/>
+          </a:ln>
+        </p:spPr>
+      </p:pic>
+      <p:grpSp>
+        <p:nvGrpSpPr>
+          <p:cNvPr id="5" name="مجموعة 4">
+            <a:extLst>
+              <a:ext uri="{FF2B5EF4-FFF2-40B4-BE49-F238E27FC236}">
+                <a16:creationId xmlns:a16="http://schemas.microsoft.com/office/drawing/2014/main" id="{47C383ED-ED38-4EC4-9945-9BF555E67C0D}"/>
+              </a:ext>
+            </a:extLst>
+          </p:cNvPr>
+          <p:cNvGrpSpPr/>
+          <p:nvPr/>
+        </p:nvGrpSpPr>
+        <p:grpSpPr>
+          <a:xfrm>
+            <a:off x="11713636" y="4286394"/>
+            <a:ext cx="8134275" cy="2571606"/>
+            <a:chOff x="11713636" y="4286394"/>
+            <a:chExt cx="8134275" cy="2571606"/>
+          </a:xfrm>
+        </p:grpSpPr>
+        <p:pic>
+          <p:nvPicPr>
+            <p:cNvPr id="8" name="Google Shape;150;p19">
+              <a:extLst>
+                <a:ext uri="{FF2B5EF4-FFF2-40B4-BE49-F238E27FC236}">
+                  <a16:creationId xmlns:a16="http://schemas.microsoft.com/office/drawing/2014/main" id="{E95EF983-68F4-4CD0-987F-4B2A6FBE1A6C}"/>
+                </a:ext>
+              </a:extLst>
+            </p:cNvPr>
+            <p:cNvPicPr preferRelativeResize="0"/>
+            <p:nvPr/>
+          </p:nvPicPr>
+          <p:blipFill>
+            <a:blip r:embed="rId4">
+              <a:alphaModFix/>
+            </a:blip>
+            <a:stretch>
+              <a:fillRect/>
+            </a:stretch>
+          </p:blipFill>
+          <p:spPr>
+            <a:xfrm>
+              <a:off x="11713636" y="4286394"/>
+              <a:ext cx="8134275" cy="2571606"/>
+            </a:xfrm>
+            <a:prstGeom prst="rect">
+              <a:avLst/>
+            </a:prstGeom>
+            <a:noFill/>
+            <a:ln>
+              <a:noFill/>
+            </a:ln>
+          </p:spPr>
+        </p:pic>
+        <p:sp>
+          <p:nvSpPr>
+            <p:cNvPr id="4" name="مستطيل 3">
+              <a:extLst>
+                <a:ext uri="{FF2B5EF4-FFF2-40B4-BE49-F238E27FC236}">
+                  <a16:creationId xmlns:a16="http://schemas.microsoft.com/office/drawing/2014/main" id="{38158C1C-570A-4A1B-AF85-6C426A9638A6}"/>
+                </a:ext>
+              </a:extLst>
+            </p:cNvPr>
+            <p:cNvSpPr/>
+            <p:nvPr/>
+          </p:nvSpPr>
+          <p:spPr>
+            <a:xfrm>
+              <a:off x="12192000" y="4984955"/>
+              <a:ext cx="7655911" cy="619432"/>
+            </a:xfrm>
+            <a:prstGeom prst="rect">
+              <a:avLst/>
+            </a:prstGeom>
+            <a:solidFill>
+              <a:srgbClr val="FFFFFF"/>
+            </a:solidFill>
+            <a:ln w="12700" cap="flat">
+              <a:noFill/>
+              <a:miter lim="400000"/>
+            </a:ln>
+            <a:effectLst/>
+            <a:sp3d/>
+          </p:spPr>
+          <p:style>
+            <a:lnRef idx="0">
+              <a:scrgbClr r="0" g="0" b="0"/>
+            </a:lnRef>
+            <a:fillRef idx="0">
+              <a:scrgbClr r="0" g="0" b="0"/>
+            </a:fillRef>
+            <a:effectRef idx="0">
+              <a:scrgbClr r="0" g="0" b="0"/>
+            </a:effectRef>
+            <a:fontRef idx="none"/>
+          </p:style>
+          <p:txBody>
+            <a:bodyPr rot="0" spcFirstLastPara="1" vertOverflow="overflow" horzOverflow="overflow" vert="horz" wrap="square" lIns="50800" tIns="50800" rIns="50800" bIns="50800" numCol="1" spcCol="38100" rtlCol="0" anchor="ctr">
+              <a:spAutoFit/>
+            </a:bodyPr>
+            <a:lstStyle/>
+            <a:p>
+              <a:pPr marL="0" marR="0" indent="0" algn="ctr" defTabSz="825500" rtl="0" fontAlgn="auto" latinLnBrk="0" hangingPunct="0">
+                <a:lnSpc>
+                  <a:spcPct val="100000"/>
+                </a:lnSpc>
+                <a:spcBef>
+                  <a:spcPts val="0"/>
+                </a:spcBef>
+                <a:spcAft>
+                  <a:spcPts val="0"/>
+                </a:spcAft>
+                <a:buClrTx/>
+                <a:buSzTx/>
+                <a:buFontTx/>
+                <a:buNone/>
+                <a:tabLst/>
+              </a:pPr>
+              <a:endParaRPr kumimoji="0" lang="en-US" sz="3200" b="0" i="0" u="none" strike="noStrike" cap="none" spc="0" normalizeH="0" baseline="0">
+                <a:ln>
+                  <a:noFill/>
+                </a:ln>
+                <a:solidFill>
+                  <a:srgbClr val="FFFFFF"/>
+                </a:solidFill>
+                <a:effectLst/>
+                <a:uFillTx/>
+                <a:latin typeface="Helvetica Neue Medium"/>
+                <a:ea typeface="Helvetica Neue Medium"/>
+                <a:cs typeface="Helvetica Neue Medium"/>
+                <a:sym typeface="Helvetica Neue Medium"/>
+              </a:endParaRPr>
+            </a:p>
+          </p:txBody>
+        </p:sp>
+      </p:grpSp>
+    </p:spTree>
+  </p:cSld>
+  <p:clrMapOvr>
+    <a:masterClrMapping/>
+  </p:clrMapOvr>
+  <p:transition spd="med"/>
+</p:sld>
+</file>
+
+<file path=ppt/slides/slide6.xml><?xml version="1.0" encoding="utf-8"?>
+<p:sld xmlns:a="http://schemas.openxmlformats.org/drawingml/2006/main" xmlns:r="http://schemas.openxmlformats.org/officeDocument/2006/relationships" xmlns:p="http://schemas.openxmlformats.org/presentationml/2006/main">
+  <p:cSld>
+    <p:spTree>
+      <p:nvGrpSpPr>
+        <p:cNvPr id="1" name=""/>
+        <p:cNvGrpSpPr/>
+        <p:nvPr/>
+      </p:nvGrpSpPr>
+      <p:grpSpPr>
+        <a:xfrm>
+          <a:off x="0" y="0"/>
+          <a:ext cx="0" cy="0"/>
+          <a:chOff x="0" y="0"/>
+          <a:chExt cx="0" cy="0"/>
+        </a:xfrm>
+      </p:grpSpPr>
+      <p:sp>
+        <p:nvSpPr>
+          <p:cNvPr id="200" name="Slide Subtitle"/>
+          <p:cNvSpPr txBox="1">
+            <a:spLocks noGrp="1"/>
+          </p:cNvSpPr>
+          <p:nvPr>
+            <p:ph type="body" idx="21"/>
+          </p:nvPr>
+        </p:nvSpPr>
+        <p:spPr>
+          <a:prstGeom prst="rect">
+            <a:avLst/>
+          </a:prstGeom>
+        </p:spPr>
+        <p:txBody>
+          <a:bodyPr/>
+          <a:lstStyle/>
+          <a:p>
+            <a:pPr rtl="0">
+              <a:defRPr/>
+            </a:pPr>
+            <a:endParaRPr/>
+          </a:p>
+        </p:txBody>
+      </p:sp>
+      <p:sp>
+        <p:nvSpPr>
+          <p:cNvPr id="201" name="Slide bullet text"/>
+          <p:cNvSpPr txBox="1">
+            <a:spLocks noGrp="1"/>
+          </p:cNvSpPr>
+          <p:nvPr>
+            <p:ph type="body" sz="half" idx="1"/>
+          </p:nvPr>
+        </p:nvSpPr>
+        <p:spPr>
+          <a:xfrm>
+            <a:off x="1206500" y="4248504"/>
+            <a:ext cx="18851306" cy="8256630"/>
+          </a:xfrm>
+          <a:prstGeom prst="rect">
+            <a:avLst/>
+          </a:prstGeom>
+        </p:spPr>
+        <p:txBody>
+          <a:bodyPr/>
+          <a:lstStyle/>
+          <a:p>
+            <a:pPr marL="514350" indent="-514350" algn="l" rtl="0">
+              <a:buFont typeface="+mj-lt"/>
+              <a:buAutoNum type="arabicPeriod" startAt="3"/>
+              <a:defRPr/>
+            </a:pPr>
+            <a:r>
+              <a:rPr lang="en-US" dirty="0"/>
+              <a:t>install the request module like this </a:t>
+            </a:r>
+            <a:br>
+              <a:rPr lang="en-US" dirty="0"/>
+            </a:br>
+            <a:r>
+              <a:rPr lang="en-US" dirty="0"/>
+              <a:t>			</a:t>
+            </a:r>
+            <a:r>
+              <a:rPr lang="en-US" dirty="0" err="1">
+                <a:solidFill>
+                  <a:srgbClr val="0093A1"/>
+                </a:solidFill>
+                <a:latin typeface="Consolas" panose="020B0609020204030204" pitchFamily="49" charset="0"/>
+              </a:rPr>
+              <a:t>npm</a:t>
+            </a:r>
+            <a:r>
+              <a:rPr lang="en-US" dirty="0">
+                <a:solidFill>
+                  <a:srgbClr val="0093A1"/>
+                </a:solidFill>
+                <a:latin typeface="Consolas" panose="020B0609020204030204" pitchFamily="49" charset="0"/>
+              </a:rPr>
+              <a:t> install request chai –save-dev</a:t>
+            </a:r>
+          </a:p>
+          <a:p>
+            <a:pPr marL="514350" indent="-514350" algn="l" rtl="0">
+              <a:buFont typeface="+mj-lt"/>
+              <a:buAutoNum type="arabicPeriod" startAt="3"/>
+              <a:defRPr/>
+            </a:pPr>
+            <a:r>
+              <a:rPr lang="en-US" dirty="0"/>
+              <a:t>Create a test folder with a app.test.js file inside the test folder, </a:t>
+            </a:r>
+            <a:br>
+              <a:rPr lang="en-US" dirty="0"/>
+            </a:br>
+            <a:r>
+              <a:rPr lang="en-US" dirty="0"/>
+              <a:t>The code that should be in the ‘app.test.js’ file. This is unit test using Mocha and Chai.</a:t>
+            </a:r>
+          </a:p>
+          <a:p>
+            <a:pPr marL="514350" indent="-514350" algn="l" rtl="0">
+              <a:buFont typeface="+mj-lt"/>
+              <a:buAutoNum type="arabicPeriod" startAt="5"/>
+              <a:defRPr/>
+            </a:pPr>
+            <a:r>
+              <a:rPr lang="en-US" dirty="0"/>
+              <a:t>Write the code to test your backend endpoints like this</a:t>
+            </a:r>
+          </a:p>
+          <a:p>
+            <a:pPr marL="514350" indent="-514350" algn="l" rtl="0">
+              <a:buFont typeface="+mj-lt"/>
+              <a:buAutoNum type="arabicPeriod" startAt="5"/>
+              <a:defRPr/>
+            </a:pPr>
+            <a:endParaRPr lang="en-US" dirty="0"/>
+          </a:p>
+          <a:p>
+            <a:pPr marL="514350" indent="-514350" algn="l" rtl="0">
+              <a:buFont typeface="+mj-lt"/>
+              <a:buAutoNum type="arabicPeriod" startAt="5"/>
+              <a:defRPr/>
+            </a:pPr>
+            <a:endParaRPr lang="en-US" dirty="0"/>
+          </a:p>
+          <a:p>
+            <a:pPr algn="l" rtl="0">
+              <a:defRPr/>
+            </a:pPr>
+            <a:r>
+              <a:rPr lang="en-US" dirty="0"/>
+              <a:t>Use Chai to write the actual code that will be used to execute the test. </a:t>
+            </a:r>
+          </a:p>
+          <a:p>
+            <a:pPr algn="l" rtl="0">
+              <a:defRPr/>
+            </a:pPr>
+            <a:r>
+              <a:rPr lang="en-US" dirty="0"/>
+              <a:t>Use the it() function to describe the actual test</a:t>
+            </a:r>
+          </a:p>
+          <a:p>
+            <a:pPr marL="514350" indent="-514350" algn="l" rtl="0">
+              <a:buFont typeface="+mj-lt"/>
+              <a:buAutoNum type="arabicPeriod" startAt="5"/>
+              <a:defRPr/>
+            </a:pPr>
+            <a:endParaRPr lang="en-US" dirty="0"/>
+          </a:p>
+          <a:p>
+            <a:pPr algn="l" rtl="0">
+              <a:defRPr/>
+            </a:pPr>
+            <a:endParaRPr lang="en-US" dirty="0"/>
+          </a:p>
+          <a:p>
+            <a:pPr algn="l" rtl="0">
+              <a:defRPr/>
+            </a:pPr>
+            <a:endParaRPr lang="en-US" dirty="0"/>
+          </a:p>
+          <a:p>
+            <a:pPr algn="l" rtl="0">
+              <a:defRPr/>
+            </a:pPr>
+            <a:endParaRPr lang="en-US" dirty="0"/>
+          </a:p>
+          <a:p>
+            <a:pPr algn="l" rtl="0">
+              <a:defRPr/>
+            </a:pPr>
+            <a:endParaRPr lang="en-US" dirty="0"/>
+          </a:p>
+          <a:p>
+            <a:pPr algn="l" rtl="0">
+              <a:defRPr/>
+            </a:pPr>
+            <a:endParaRPr lang="en-US" dirty="0"/>
+          </a:p>
+          <a:p>
+            <a:pPr algn="l" rtl="0">
+              <a:defRPr/>
+            </a:pPr>
+            <a:endParaRPr lang="en-US" dirty="0"/>
+          </a:p>
+          <a:p>
+            <a:pPr algn="l" rtl="0">
+              <a:defRPr/>
+            </a:pPr>
+            <a:endParaRPr lang="en-US" dirty="0"/>
+          </a:p>
+          <a:p>
+            <a:pPr algn="l" rtl="0">
+              <a:defRPr/>
+            </a:pPr>
+            <a:endParaRPr dirty="0"/>
+          </a:p>
+        </p:txBody>
+      </p:sp>
+      <p:sp>
+        <p:nvSpPr>
+          <p:cNvPr id="203" name="Slide Title"/>
+          <p:cNvSpPr txBox="1">
+            <a:spLocks noGrp="1"/>
+          </p:cNvSpPr>
+          <p:nvPr>
+            <p:ph type="title"/>
+          </p:nvPr>
+        </p:nvSpPr>
+        <p:spPr>
+          <a:xfrm>
+            <a:off x="1206500" y="1079500"/>
+            <a:ext cx="15695152" cy="1435100"/>
+          </a:xfrm>
+          <a:prstGeom prst="rect">
+            <a:avLst/>
+          </a:prstGeom>
+        </p:spPr>
+        <p:txBody>
+          <a:bodyPr>
+            <a:normAutofit/>
+          </a:bodyPr>
+          <a:lstStyle/>
+          <a:p>
+            <a:pPr algn="l" rtl="0">
+              <a:defRPr/>
+            </a:pPr>
+            <a:r>
+              <a:rPr lang="en-US" dirty="0"/>
+              <a:t>Node.js Testing Frameworks</a:t>
+            </a:r>
+            <a:endParaRPr dirty="0"/>
+          </a:p>
+        </p:txBody>
+      </p:sp>
+      <p:grpSp>
+        <p:nvGrpSpPr>
+          <p:cNvPr id="6" name="مجموعة 5">
+            <a:extLst>
+              <a:ext uri="{FF2B5EF4-FFF2-40B4-BE49-F238E27FC236}">
+                <a16:creationId xmlns:a16="http://schemas.microsoft.com/office/drawing/2014/main" id="{B867B9C2-0E63-4EA9-89DE-BF34635C70E2}"/>
+              </a:ext>
+            </a:extLst>
+          </p:cNvPr>
+          <p:cNvGrpSpPr/>
+          <p:nvPr/>
+        </p:nvGrpSpPr>
+        <p:grpSpPr>
+          <a:xfrm>
+            <a:off x="11974917" y="6986346"/>
+            <a:ext cx="12205883" cy="2780946"/>
+            <a:chOff x="10323871" y="10103518"/>
+            <a:chExt cx="13606652" cy="3464273"/>
+          </a:xfrm>
+        </p:grpSpPr>
+        <p:pic>
+          <p:nvPicPr>
+            <p:cNvPr id="9" name="Google Shape;159;p20">
+              <a:extLst>
+                <a:ext uri="{FF2B5EF4-FFF2-40B4-BE49-F238E27FC236}">
+                  <a16:creationId xmlns:a16="http://schemas.microsoft.com/office/drawing/2014/main" id="{0A5650D1-0E5E-401A-B289-F5339C781FC8}"/>
+                </a:ext>
+              </a:extLst>
+            </p:cNvPr>
+            <p:cNvPicPr preferRelativeResize="0"/>
+            <p:nvPr/>
+          </p:nvPicPr>
+          <p:blipFill rotWithShape="1">
+            <a:blip r:embed="rId3">
+              <a:alphaModFix/>
+            </a:blip>
+            <a:srcRect t="5598"/>
+            <a:stretch/>
+          </p:blipFill>
+          <p:spPr>
+            <a:xfrm>
+              <a:off x="10323871" y="10517287"/>
+              <a:ext cx="13606652" cy="3050504"/>
+            </a:xfrm>
+            <a:prstGeom prst="rect">
+              <a:avLst/>
+            </a:prstGeom>
+            <a:noFill/>
+            <a:ln>
+              <a:noFill/>
+            </a:ln>
+          </p:spPr>
+        </p:pic>
+        <p:pic>
+          <p:nvPicPr>
+            <p:cNvPr id="5" name="صورة 4">
+              <a:extLst>
+                <a:ext uri="{FF2B5EF4-FFF2-40B4-BE49-F238E27FC236}">
+                  <a16:creationId xmlns:a16="http://schemas.microsoft.com/office/drawing/2014/main" id="{181D266B-6E4D-4949-AF41-845C1BF49A85}"/>
+                </a:ext>
+              </a:extLst>
+            </p:cNvPr>
+            <p:cNvPicPr>
+              <a:picLocks noChangeAspect="1"/>
+            </p:cNvPicPr>
+            <p:nvPr/>
+          </p:nvPicPr>
+          <p:blipFill rotWithShape="1">
+            <a:blip r:embed="rId4"/>
+            <a:srcRect l="38356" t="7966" r="3441" b="88692"/>
+            <a:stretch/>
+          </p:blipFill>
+          <p:spPr>
+            <a:xfrm>
+              <a:off x="10323871" y="10103518"/>
+              <a:ext cx="13606652" cy="439505"/>
+            </a:xfrm>
+            <a:prstGeom prst="rect">
+              <a:avLst/>
+            </a:prstGeom>
+          </p:spPr>
+        </p:pic>
+      </p:grpSp>
+    </p:spTree>
+    <p:extLst>
+      <p:ext uri="{BB962C8B-B14F-4D97-AF65-F5344CB8AC3E}">
+        <p14:creationId xmlns:p14="http://schemas.microsoft.com/office/powerpoint/2010/main" val="3399996724"/>
+      </p:ext>
+    </p:extLst>
+  </p:cSld>
+  <p:clrMapOvr>
+    <a:masterClrMapping/>
+  </p:clrMapOvr>
+  <p:transition spd="med"/>
+</p:sld>
+</file>
+
+<file path=ppt/slides/slide7.xml><?xml version="1.0" encoding="utf-8"?>
+<p:sld xmlns:a="http://schemas.openxmlformats.org/drawingml/2006/main" xmlns:r="http://schemas.openxmlformats.org/officeDocument/2006/relationships" xmlns:p="http://schemas.openxmlformats.org/presentationml/2006/main">
+  <p:cSld>
+    <p:spTree>
+      <p:nvGrpSpPr>
+        <p:cNvPr id="1" name=""/>
+        <p:cNvGrpSpPr/>
+        <p:nvPr/>
+      </p:nvGrpSpPr>
+      <p:grpSpPr>
+        <a:xfrm>
+          <a:off x="0" y="0"/>
+          <a:ext cx="0" cy="0"/>
+          <a:chOff x="0" y="0"/>
+          <a:chExt cx="0" cy="0"/>
+        </a:xfrm>
+      </p:grpSpPr>
+      <p:sp>
+        <p:nvSpPr>
+          <p:cNvPr id="200" name="Slide Subtitle"/>
+          <p:cNvSpPr txBox="1">
+            <a:spLocks noGrp="1"/>
+          </p:cNvSpPr>
+          <p:nvPr>
+            <p:ph type="body" idx="21"/>
+          </p:nvPr>
+        </p:nvSpPr>
+        <p:spPr>
+          <a:prstGeom prst="rect">
+            <a:avLst/>
+          </a:prstGeom>
+        </p:spPr>
+        <p:txBody>
+          <a:bodyPr/>
+          <a:lstStyle/>
+          <a:p>
+            <a:pPr rtl="0">
+              <a:defRPr/>
+            </a:pPr>
+            <a:endParaRPr/>
+          </a:p>
+        </p:txBody>
+      </p:sp>
+      <p:sp>
+        <p:nvSpPr>
+          <p:cNvPr id="201" name="Slide bullet text"/>
+          <p:cNvSpPr txBox="1">
+            <a:spLocks noGrp="1"/>
+          </p:cNvSpPr>
+          <p:nvPr>
+            <p:ph type="body" sz="half" idx="1"/>
+          </p:nvPr>
+        </p:nvSpPr>
+        <p:spPr>
+          <a:prstGeom prst="rect">
+            <a:avLst/>
+          </a:prstGeom>
+        </p:spPr>
+        <p:txBody>
+          <a:bodyPr/>
+          <a:lstStyle/>
+          <a:p>
+            <a:pPr marL="514350" indent="-514350" algn="l" rtl="0">
+              <a:buFont typeface="+mj-lt"/>
+              <a:buAutoNum type="arabicPeriod" startAt="6"/>
+              <a:defRPr/>
+            </a:pPr>
+            <a:r>
+              <a:rPr lang="en-US" dirty="0"/>
+              <a:t>run </a:t>
+            </a:r>
+            <a:r>
+              <a:rPr lang="en-US" dirty="0" err="1">
+                <a:solidFill>
+                  <a:srgbClr val="0093A1"/>
+                </a:solidFill>
+                <a:latin typeface="Consolas" panose="020B0609020204030204" pitchFamily="49" charset="0"/>
+              </a:rPr>
+              <a:t>npm</a:t>
+            </a:r>
+            <a:r>
+              <a:rPr lang="en-US" dirty="0">
+                <a:solidFill>
+                  <a:srgbClr val="0093A1"/>
+                </a:solidFill>
+                <a:latin typeface="Consolas" panose="020B0609020204030204" pitchFamily="49" charset="0"/>
+              </a:rPr>
+              <a:t> test</a:t>
+            </a:r>
+          </a:p>
+          <a:p>
+            <a:pPr marL="514350" indent="-514350" algn="l" rtl="0">
+              <a:buFont typeface="+mj-lt"/>
+              <a:buAutoNum type="arabicPeriod" startAt="6"/>
+              <a:defRPr/>
+            </a:pPr>
+            <a:r>
+              <a:rPr lang="en-US" dirty="0"/>
+              <a:t>See the output of your tests</a:t>
+            </a:r>
+          </a:p>
+          <a:p>
+            <a:pPr algn="l" rtl="0">
+              <a:defRPr/>
+            </a:pPr>
+            <a:endParaRPr lang="en-US" dirty="0"/>
+          </a:p>
+          <a:p>
+            <a:pPr algn="l" rtl="0">
+              <a:defRPr/>
+            </a:pPr>
+            <a:endParaRPr lang="en-US" dirty="0"/>
+          </a:p>
+          <a:p>
+            <a:pPr algn="l" rtl="0">
+              <a:defRPr/>
+            </a:pPr>
+            <a:endParaRPr lang="en-US" dirty="0"/>
+          </a:p>
+          <a:p>
+            <a:pPr algn="l" rtl="0">
+              <a:defRPr/>
+            </a:pPr>
+            <a:endParaRPr lang="en-US" dirty="0"/>
+          </a:p>
+          <a:p>
+            <a:pPr algn="l" rtl="0">
+              <a:defRPr/>
+            </a:pPr>
+            <a:endParaRPr lang="en-US" dirty="0"/>
+          </a:p>
+          <a:p>
+            <a:pPr algn="l" rtl="0">
+              <a:defRPr/>
+            </a:pPr>
+            <a:endParaRPr dirty="0"/>
+          </a:p>
+        </p:txBody>
+      </p:sp>
+      <p:sp>
+        <p:nvSpPr>
+          <p:cNvPr id="203" name="Slide Title"/>
+          <p:cNvSpPr txBox="1">
+            <a:spLocks noGrp="1"/>
+          </p:cNvSpPr>
+          <p:nvPr>
+            <p:ph type="title"/>
+          </p:nvPr>
+        </p:nvSpPr>
+        <p:spPr>
+          <a:xfrm>
+            <a:off x="1206500" y="1079500"/>
+            <a:ext cx="15783642" cy="1435100"/>
+          </a:xfrm>
+          <a:prstGeom prst="rect">
+            <a:avLst/>
+          </a:prstGeom>
+        </p:spPr>
+        <p:txBody>
+          <a:bodyPr>
+            <a:normAutofit/>
+          </a:bodyPr>
+          <a:lstStyle/>
+          <a:p>
+            <a:pPr algn="l" rtl="0">
+              <a:defRPr/>
+            </a:pPr>
+            <a:r>
+              <a:rPr lang="en-US" dirty="0"/>
+              <a:t>Node.js Testing Frameworks</a:t>
+            </a:r>
+            <a:endParaRPr dirty="0"/>
+          </a:p>
+        </p:txBody>
+      </p:sp>
+      <p:pic>
+        <p:nvPicPr>
+          <p:cNvPr id="8" name="Google Shape;167;p21">
+            <a:extLst>
+              <a:ext uri="{FF2B5EF4-FFF2-40B4-BE49-F238E27FC236}">
+                <a16:creationId xmlns:a16="http://schemas.microsoft.com/office/drawing/2014/main" id="{7E0E4EAC-7635-4EFD-992D-8A9AAE5CA54D}"/>
+              </a:ext>
+            </a:extLst>
+          </p:cNvPr>
+          <p:cNvPicPr preferRelativeResize="0"/>
+          <p:nvPr/>
+        </p:nvPicPr>
+        <p:blipFill>
+          <a:blip r:embed="rId2">
+            <a:alphaModFix/>
+          </a:blip>
+          <a:stretch>
+            <a:fillRect/>
+          </a:stretch>
+        </p:blipFill>
+        <p:spPr>
+          <a:xfrm>
+            <a:off x="5275006" y="7189224"/>
+            <a:ext cx="13833987" cy="3783576"/>
+          </a:xfrm>
+          <a:prstGeom prst="rect">
+            <a:avLst/>
+          </a:prstGeom>
+          <a:noFill/>
+          <a:ln>
+            <a:noFill/>
+          </a:ln>
+        </p:spPr>
+      </p:pic>
+    </p:spTree>
+    <p:extLst>
+      <p:ext uri="{BB962C8B-B14F-4D97-AF65-F5344CB8AC3E}">
+        <p14:creationId xmlns:p14="http://schemas.microsoft.com/office/powerpoint/2010/main" val="1533944052"/>
+      </p:ext>
+    </p:extLst>
+  </p:cSld>
+  <p:clrMapOvr>
+    <a:masterClrMapping/>
+  </p:clrMapOvr>
+  <p:transition spd="med"/>
+</p:sld>
+</file>
+
+<file path=ppt/slides/slide8.xml><?xml version="1.0" encoding="utf-8"?>
+<p:sld xmlns:a="http://schemas.openxmlformats.org/drawingml/2006/main" xmlns:r="http://schemas.openxmlformats.org/officeDocument/2006/relationships" xmlns:p="http://schemas.openxmlformats.org/presentationml/2006/main">
+  <p:cSld>
+    <p:spTree>
+      <p:nvGrpSpPr>
+        <p:cNvPr id="1" name=""/>
+        <p:cNvGrpSpPr/>
+        <p:nvPr/>
+      </p:nvGrpSpPr>
+      <p:grpSpPr>
+        <a:xfrm>
+          <a:off x="0" y="0"/>
+          <a:ext cx="0" cy="0"/>
+          <a:chOff x="0" y="0"/>
+          <a:chExt cx="0" cy="0"/>
+        </a:xfrm>
+      </p:grpSpPr>
+      <p:sp>
+        <p:nvSpPr>
+          <p:cNvPr id="200" name="Slide Subtitle"/>
+          <p:cNvSpPr txBox="1">
+            <a:spLocks noGrp="1"/>
+          </p:cNvSpPr>
+          <p:nvPr>
+            <p:ph type="body" idx="21"/>
+          </p:nvPr>
+        </p:nvSpPr>
+        <p:spPr>
+          <a:prstGeom prst="rect">
+            <a:avLst/>
+          </a:prstGeom>
+        </p:spPr>
+        <p:txBody>
+          <a:bodyPr/>
+          <a:lstStyle/>
+          <a:p>
+            <a:pPr rtl="0">
+              <a:defRPr/>
+            </a:pPr>
+            <a:endParaRPr/>
+          </a:p>
+        </p:txBody>
+      </p:sp>
+      <p:sp>
+        <p:nvSpPr>
+          <p:cNvPr id="201" name="Slide bullet text"/>
+          <p:cNvSpPr txBox="1">
+            <a:spLocks noGrp="1"/>
+          </p:cNvSpPr>
+          <p:nvPr>
+            <p:ph type="body" sz="half" idx="1"/>
+          </p:nvPr>
+        </p:nvSpPr>
+        <p:spPr>
+          <a:xfrm>
+            <a:off x="1206499" y="4248504"/>
+            <a:ext cx="21900623" cy="8256630"/>
+          </a:xfrm>
+          <a:prstGeom prst="rect">
+            <a:avLst/>
+          </a:prstGeom>
+        </p:spPr>
+        <p:txBody>
+          <a:bodyPr/>
+          <a:lstStyle/>
+          <a:p>
+            <a:pPr marL="514350" indent="-514350" algn="l" rtl="0">
+              <a:buFont typeface="+mj-lt"/>
+              <a:buAutoNum type="arabicPeriod" startAt="8"/>
+              <a:defRPr/>
+            </a:pPr>
+            <a:r>
+              <a:rPr lang="en-US" dirty="0"/>
+              <a:t>Write more test scripts in your test file to test different end points. See screenshot below on how to test for end points.</a:t>
+            </a:r>
+          </a:p>
+          <a:p>
+            <a:pPr algn="l" rtl="0">
+              <a:defRPr/>
+            </a:pPr>
+            <a:endParaRPr lang="en-US" dirty="0"/>
+          </a:p>
+          <a:p>
+            <a:pPr algn="l" rtl="0">
+              <a:defRPr/>
+            </a:pPr>
+            <a:endParaRPr lang="en-US" dirty="0"/>
+          </a:p>
+          <a:p>
+            <a:pPr algn="l" rtl="0">
+              <a:defRPr/>
+            </a:pPr>
+            <a:endParaRPr lang="en-US" dirty="0"/>
+          </a:p>
+          <a:p>
+            <a:pPr algn="l" rtl="0">
+              <a:defRPr/>
+            </a:pPr>
+            <a:endParaRPr lang="en-US" dirty="0"/>
+          </a:p>
+          <a:p>
+            <a:pPr algn="l" rtl="0">
+              <a:defRPr/>
+            </a:pPr>
+            <a:endParaRPr lang="en-US" dirty="0"/>
+          </a:p>
+          <a:p>
+            <a:pPr algn="l" rtl="0">
+              <a:defRPr/>
+            </a:pPr>
+            <a:endParaRPr dirty="0"/>
+          </a:p>
+        </p:txBody>
+      </p:sp>
+      <p:sp>
+        <p:nvSpPr>
+          <p:cNvPr id="203" name="Slide Title"/>
+          <p:cNvSpPr txBox="1">
+            <a:spLocks noGrp="1"/>
+          </p:cNvSpPr>
+          <p:nvPr>
+            <p:ph type="title"/>
+          </p:nvPr>
+        </p:nvSpPr>
+        <p:spPr>
+          <a:xfrm>
+            <a:off x="1206499" y="1079500"/>
+            <a:ext cx="15046223" cy="1435100"/>
+          </a:xfrm>
+          <a:prstGeom prst="rect">
+            <a:avLst/>
+          </a:prstGeom>
+        </p:spPr>
+        <p:txBody>
+          <a:bodyPr>
+            <a:normAutofit/>
+          </a:bodyPr>
+          <a:lstStyle/>
+          <a:p>
+            <a:pPr algn="l" rtl="0">
+              <a:defRPr/>
+            </a:pPr>
+            <a:r>
+              <a:rPr lang="en-US" dirty="0"/>
+              <a:t>Node.js Testing Frameworks</a:t>
+            </a:r>
+            <a:endParaRPr dirty="0"/>
+          </a:p>
+        </p:txBody>
+      </p:sp>
+      <p:sp>
+        <p:nvSpPr>
+          <p:cNvPr id="5" name="عنصر نائب للصورة 4">
+            <a:extLst>
+              <a:ext uri="{FF2B5EF4-FFF2-40B4-BE49-F238E27FC236}">
+                <a16:creationId xmlns:a16="http://schemas.microsoft.com/office/drawing/2014/main" id="{2B3085DA-D49E-40AB-A22B-EDC9524CF65F}"/>
+              </a:ext>
+            </a:extLst>
+          </p:cNvPr>
+          <p:cNvSpPr>
+            <a:spLocks noGrp="1"/>
+          </p:cNvSpPr>
+          <p:nvPr>
+            <p:ph type="pic" sz="half" idx="22"/>
+          </p:nvPr>
+        </p:nvSpPr>
+        <p:spPr/>
+      </p:sp>
+      <p:pic>
+        <p:nvPicPr>
+          <p:cNvPr id="10" name="Google Shape;175;p22">
+            <a:extLst>
+              <a:ext uri="{FF2B5EF4-FFF2-40B4-BE49-F238E27FC236}">
+                <a16:creationId xmlns:a16="http://schemas.microsoft.com/office/drawing/2014/main" id="{76CB9B8F-160D-44E9-9CFE-2C9901B7ABA4}"/>
+              </a:ext>
+            </a:extLst>
+          </p:cNvPr>
+          <p:cNvPicPr preferRelativeResize="0"/>
+          <p:nvPr/>
+        </p:nvPicPr>
+        <p:blipFill>
+          <a:blip r:embed="rId2">
+            <a:alphaModFix/>
+          </a:blip>
+          <a:stretch>
+            <a:fillRect/>
+          </a:stretch>
+        </p:blipFill>
+        <p:spPr>
+          <a:xfrm>
+            <a:off x="5403884" y="5680640"/>
+            <a:ext cx="13579734" cy="5826159"/>
+          </a:xfrm>
+          <a:prstGeom prst="rect">
+            <a:avLst/>
+          </a:prstGeom>
+          <a:noFill/>
+          <a:ln>
+            <a:noFill/>
+          </a:ln>
+        </p:spPr>
+      </p:pic>
+    </p:spTree>
+    <p:extLst>
+      <p:ext uri="{BB962C8B-B14F-4D97-AF65-F5344CB8AC3E}">
+        <p14:creationId xmlns:p14="http://schemas.microsoft.com/office/powerpoint/2010/main" val="3803551320"/>
+      </p:ext>
+    </p:extLst>
+  </p:cSld>
+  <p:clrMapOvr>
+    <a:masterClrMapping/>
+  </p:clrMapOvr>
+  <p:transition spd="med"/>
+</p:sld>
+</file>
+
+<file path=ppt/slides/slide9.xml><?xml version="1.0" encoding="utf-8"?>
+<p:sld xmlns:a="http://schemas.openxmlformats.org/drawingml/2006/main" xmlns:r="http://schemas.openxmlformats.org/officeDocument/2006/relationships" xmlns:p="http://schemas.openxmlformats.org/presentationml/2006/main">
+  <p:cSld>
+    <p:spTree>
+      <p:nvGrpSpPr>
+        <p:cNvPr id="1" name=""/>
+        <p:cNvGrpSpPr/>
+        <p:nvPr/>
+      </p:nvGrpSpPr>
+      <p:grpSpPr>
+        <a:xfrm>
+          <a:off x="0" y="0"/>
+          <a:ext cx="0" cy="0"/>
+          <a:chOff x="0" y="0"/>
+          <a:chExt cx="0" cy="0"/>
+        </a:xfrm>
+      </p:grpSpPr>
+      <p:sp>
+        <p:nvSpPr>
+          <p:cNvPr id="200" name="Slide Subtitle"/>
+          <p:cNvSpPr txBox="1">
+            <a:spLocks noGrp="1"/>
+          </p:cNvSpPr>
+          <p:nvPr>
+            <p:ph type="body" idx="21"/>
+          </p:nvPr>
+        </p:nvSpPr>
+        <p:spPr>
+          <a:prstGeom prst="rect">
+            <a:avLst/>
+          </a:prstGeom>
+        </p:spPr>
+        <p:txBody>
+          <a:bodyPr/>
+          <a:lstStyle/>
+          <a:p>
+            <a:pPr rtl="0">
+              <a:defRPr/>
+            </a:pPr>
+            <a:endParaRPr/>
+          </a:p>
+        </p:txBody>
+      </p:sp>
+      <p:sp>
+        <p:nvSpPr>
+          <p:cNvPr id="201" name="Slide bullet text"/>
+          <p:cNvSpPr txBox="1">
+            <a:spLocks noGrp="1"/>
+          </p:cNvSpPr>
+          <p:nvPr>
+            <p:ph type="body" sz="half" idx="1"/>
+          </p:nvPr>
+        </p:nvSpPr>
+        <p:spPr>
+          <a:xfrm>
+            <a:off x="1206499" y="4248504"/>
+            <a:ext cx="21900623" cy="8256630"/>
+          </a:xfrm>
+          <a:prstGeom prst="rect">
+            <a:avLst/>
+          </a:prstGeom>
+        </p:spPr>
+        <p:txBody>
+          <a:bodyPr/>
+          <a:lstStyle/>
+          <a:p>
+            <a:pPr algn="l" rtl="0">
+              <a:defRPr/>
+            </a:pPr>
+            <a:r>
+              <a:rPr lang="en-US" dirty="0"/>
+              <a:t>Now run </a:t>
+            </a:r>
+            <a:r>
+              <a:rPr lang="en-US" dirty="0" err="1">
+                <a:solidFill>
+                  <a:srgbClr val="0093A1"/>
+                </a:solidFill>
+                <a:latin typeface="Consolas" panose="020B0609020204030204" pitchFamily="49" charset="0"/>
+              </a:rPr>
+              <a:t>npm</a:t>
+            </a:r>
+            <a:r>
+              <a:rPr lang="en-US" dirty="0">
+                <a:solidFill>
+                  <a:srgbClr val="0093A1"/>
+                </a:solidFill>
+                <a:latin typeface="Consolas" panose="020B0609020204030204" pitchFamily="49" charset="0"/>
+              </a:rPr>
+              <a:t> test </a:t>
+            </a:r>
+            <a:r>
+              <a:rPr lang="en-US" dirty="0"/>
+              <a:t>to see the updated tests in your terminal.</a:t>
+            </a:r>
+          </a:p>
+          <a:p>
+            <a:pPr algn="l" rtl="0">
+              <a:defRPr/>
+            </a:pPr>
+            <a:endParaRPr lang="en-US" dirty="0"/>
+          </a:p>
+          <a:p>
+            <a:pPr algn="l" rtl="0">
+              <a:defRPr/>
+            </a:pPr>
+            <a:endParaRPr lang="en-US" dirty="0"/>
+          </a:p>
+          <a:p>
+            <a:pPr algn="l" rtl="0">
+              <a:defRPr/>
+            </a:pPr>
+            <a:endParaRPr lang="en-US" dirty="0"/>
+          </a:p>
+          <a:p>
+            <a:pPr algn="l" rtl="0">
+              <a:defRPr/>
+            </a:pPr>
+            <a:endParaRPr lang="en-US" dirty="0"/>
+          </a:p>
+          <a:p>
+            <a:pPr algn="l" rtl="0">
+              <a:defRPr/>
+            </a:pPr>
+            <a:r>
+              <a:rPr lang="en-US" dirty="0"/>
+              <a:t>We can fail one test on purpose to see the different output, See example with about end point for this example ...</a:t>
+            </a:r>
+          </a:p>
+          <a:p>
+            <a:pPr algn="l" rtl="0">
+              <a:defRPr/>
+            </a:pPr>
+            <a:endParaRPr dirty="0"/>
+          </a:p>
+        </p:txBody>
+      </p:sp>
+      <p:sp>
+        <p:nvSpPr>
+          <p:cNvPr id="203" name="Slide Title"/>
+          <p:cNvSpPr txBox="1">
+            <a:spLocks noGrp="1"/>
+          </p:cNvSpPr>
+          <p:nvPr>
+            <p:ph type="title"/>
+          </p:nvPr>
+        </p:nvSpPr>
+        <p:spPr>
+          <a:xfrm>
+            <a:off x="1206499" y="1079500"/>
+            <a:ext cx="18172881" cy="1435100"/>
+          </a:xfrm>
+          <a:prstGeom prst="rect">
+            <a:avLst/>
+          </a:prstGeom>
+        </p:spPr>
+        <p:txBody>
+          <a:bodyPr>
+            <a:normAutofit/>
+          </a:bodyPr>
+          <a:lstStyle/>
+          <a:p>
+            <a:pPr algn="l" rtl="0">
+              <a:defRPr/>
+            </a:pPr>
+            <a:r>
+              <a:rPr lang="en-US" dirty="0"/>
+              <a:t>Node.js Testing Frameworks</a:t>
+            </a:r>
+            <a:endParaRPr dirty="0"/>
+          </a:p>
+        </p:txBody>
+      </p:sp>
+      <p:sp>
+        <p:nvSpPr>
+          <p:cNvPr id="3" name="عنصر نائب للصورة 2">
+            <a:extLst>
+              <a:ext uri="{FF2B5EF4-FFF2-40B4-BE49-F238E27FC236}">
+                <a16:creationId xmlns:a16="http://schemas.microsoft.com/office/drawing/2014/main" id="{B7341274-89B0-4210-95BB-AA2DADFDC0DA}"/>
+              </a:ext>
+            </a:extLst>
+          </p:cNvPr>
+          <p:cNvSpPr>
+            <a:spLocks noGrp="1"/>
+          </p:cNvSpPr>
+          <p:nvPr>
+            <p:ph type="pic" sz="half" idx="22"/>
+          </p:nvPr>
+        </p:nvSpPr>
+        <p:spPr/>
+      </p:sp>
+      <p:pic>
+        <p:nvPicPr>
+          <p:cNvPr id="8" name="Google Shape;183;p23">
+            <a:extLst>
+              <a:ext uri="{FF2B5EF4-FFF2-40B4-BE49-F238E27FC236}">
+                <a16:creationId xmlns:a16="http://schemas.microsoft.com/office/drawing/2014/main" id="{7A4A7155-AA7F-4690-9806-DCA35CD898C7}"/>
+              </a:ext>
+            </a:extLst>
+          </p:cNvPr>
+          <p:cNvPicPr preferRelativeResize="0"/>
+          <p:nvPr/>
+        </p:nvPicPr>
+        <p:blipFill>
+          <a:blip r:embed="rId2">
+            <a:alphaModFix/>
+          </a:blip>
+          <a:stretch>
+            <a:fillRect/>
+          </a:stretch>
+        </p:blipFill>
+        <p:spPr>
+          <a:xfrm>
+            <a:off x="6625538" y="5096198"/>
+            <a:ext cx="11129423" cy="3523604"/>
+          </a:xfrm>
+          <a:prstGeom prst="rect">
+            <a:avLst/>
+          </a:prstGeom>
+          <a:noFill/>
+          <a:ln>
+            <a:noFill/>
+          </a:ln>
+        </p:spPr>
+      </p:pic>
+    </p:spTree>
+    <p:extLst>
+      <p:ext uri="{BB962C8B-B14F-4D97-AF65-F5344CB8AC3E}">
+        <p14:creationId xmlns:p14="http://schemas.microsoft.com/office/powerpoint/2010/main" val="2336790528"/>
       </p:ext>
     </p:extLst>
   </p:cSld>

--- a/Testing and Refactoring Node.js.pptx
+++ b/Testing and Refactoring Node.js.pptx
@@ -5,7 +5,7 @@
     <p:sldMasterId id="2147483648" r:id="rId1"/>
   </p:sldMasterIdLst>
   <p:notesMasterIdLst>
-    <p:notesMasterId r:id="rId13"/>
+    <p:notesMasterId r:id="rId14"/>
   </p:notesMasterIdLst>
   <p:sldIdLst>
     <p:sldId id="256" r:id="rId2"/>
@@ -19,6 +19,7 @@
     <p:sldId id="269" r:id="rId10"/>
     <p:sldId id="270" r:id="rId11"/>
     <p:sldId id="271" r:id="rId12"/>
+    <p:sldId id="275" r:id="rId13"/>
   </p:sldIdLst>
   <p:sldSz cx="24384000" cy="13716000"/>
   <p:notesSz cx="6858000" cy="9144000"/>
@@ -1562,7 +1563,7 @@
           </a:ln>
           <a:extLst>
             <a:ext uri="{C572A759-6A51-4108-AA02-DFA0A04FC94B}">
-              <ma14:wrappingTextBoxFlag xmlns="" xmlns:m="http://schemas.openxmlformats.org/officeDocument/2006/math" xmlns:a14="http://schemas.microsoft.com/office/drawing/2010/main" xmlns:ma14="http://schemas.microsoft.com/office/mac/drawingml/2011/main" val="1"/>
+              <ma14:wrappingTextBoxFlag xmlns:ma14="http://schemas.microsoft.com/office/mac/drawingml/2011/main" xmlns:a14="http://schemas.microsoft.com/office/drawing/2010/main" xmlns:m="http://schemas.openxmlformats.org/officeDocument/2006/math" xmlns="" val="1"/>
             </a:ext>
           </a:extLst>
         </p:spPr>
@@ -2201,7 +2202,7 @@
           </a:ln>
           <a:extLst>
             <a:ext uri="{C572A759-6A51-4108-AA02-DFA0A04FC94B}">
-              <ma14:wrappingTextBoxFlag xmlns="" xmlns:m="http://schemas.openxmlformats.org/officeDocument/2006/math" xmlns:a14="http://schemas.microsoft.com/office/drawing/2010/main" xmlns:ma14="http://schemas.microsoft.com/office/mac/drawingml/2011/main" val="1"/>
+              <ma14:wrappingTextBoxFlag xmlns:ma14="http://schemas.microsoft.com/office/mac/drawingml/2011/main" xmlns:a14="http://schemas.microsoft.com/office/drawing/2010/main" xmlns:m="http://schemas.openxmlformats.org/officeDocument/2006/math" xmlns="" val="1"/>
             </a:ext>
           </a:extLst>
         </p:spPr>
@@ -3637,7 +3638,7 @@
           </a:ln>
           <a:extLst>
             <a:ext uri="{C572A759-6A51-4108-AA02-DFA0A04FC94B}">
-              <ma14:wrappingTextBoxFlag xmlns="" xmlns:m="http://schemas.openxmlformats.org/officeDocument/2006/math" xmlns:a14="http://schemas.microsoft.com/office/drawing/2010/main" xmlns:ma14="http://schemas.microsoft.com/office/mac/drawingml/2011/main" val="1"/>
+              <ma14:wrappingTextBoxFlag xmlns:ma14="http://schemas.microsoft.com/office/mac/drawingml/2011/main" xmlns:a14="http://schemas.microsoft.com/office/drawing/2010/main" xmlns:m="http://schemas.openxmlformats.org/officeDocument/2006/math" xmlns="" val="1"/>
             </a:ext>
           </a:extLst>
         </p:spPr>
@@ -3680,7 +3681,7 @@
           </a:ln>
           <a:extLst>
             <a:ext uri="{C572A759-6A51-4108-AA02-DFA0A04FC94B}">
-              <ma14:wrappingTextBoxFlag xmlns="" xmlns:m="http://schemas.openxmlformats.org/officeDocument/2006/math" xmlns:a14="http://schemas.microsoft.com/office/drawing/2010/main" xmlns:ma14="http://schemas.microsoft.com/office/mac/drawingml/2011/main" val="1"/>
+              <ma14:wrappingTextBoxFlag xmlns:ma14="http://schemas.microsoft.com/office/mac/drawingml/2011/main" xmlns:a14="http://schemas.microsoft.com/office/drawing/2010/main" xmlns:m="http://schemas.openxmlformats.org/officeDocument/2006/math" xmlns="" val="1"/>
             </a:ext>
           </a:extLst>
         </p:spPr>
@@ -9125,6 +9126,137 @@
     <p:extLst>
       <p:ext uri="{BB962C8B-B14F-4D97-AF65-F5344CB8AC3E}">
         <p14:creationId xmlns:p14="http://schemas.microsoft.com/office/powerpoint/2010/main" val="281981246"/>
+      </p:ext>
+    </p:extLst>
+  </p:cSld>
+  <p:clrMapOvr>
+    <a:masterClrMapping/>
+  </p:clrMapOvr>
+  <p:transition spd="med"/>
+</p:sld>
+</file>
+
+<file path=ppt/slides/slide12.xml><?xml version="1.0" encoding="utf-8"?>
+<p:sld xmlns:a="http://schemas.openxmlformats.org/drawingml/2006/main" xmlns:r="http://schemas.openxmlformats.org/officeDocument/2006/relationships" xmlns:p="http://schemas.openxmlformats.org/presentationml/2006/main">
+  <p:cSld>
+    <p:spTree>
+      <p:nvGrpSpPr>
+        <p:cNvPr id="1" name=""/>
+        <p:cNvGrpSpPr/>
+        <p:nvPr/>
+      </p:nvGrpSpPr>
+      <p:grpSpPr>
+        <a:xfrm>
+          <a:off x="0" y="0"/>
+          <a:ext cx="0" cy="0"/>
+          <a:chOff x="0" y="0"/>
+          <a:chExt cx="0" cy="0"/>
+        </a:xfrm>
+      </p:grpSpPr>
+      <p:sp>
+        <p:nvSpPr>
+          <p:cNvPr id="200" name="Slide Subtitle"/>
+          <p:cNvSpPr txBox="1">
+            <a:spLocks noGrp="1"/>
+          </p:cNvSpPr>
+          <p:nvPr>
+            <p:ph type="body" idx="21"/>
+          </p:nvPr>
+        </p:nvSpPr>
+        <p:spPr>
+          <a:prstGeom prst="rect">
+            <a:avLst/>
+          </a:prstGeom>
+        </p:spPr>
+        <p:txBody>
+          <a:bodyPr/>
+          <a:lstStyle/>
+          <a:p>
+            <a:pPr rtl="0">
+              <a:defRPr/>
+            </a:pPr>
+            <a:endParaRPr/>
+          </a:p>
+        </p:txBody>
+      </p:sp>
+      <p:sp>
+        <p:nvSpPr>
+          <p:cNvPr id="201" name="Slide bullet text"/>
+          <p:cNvSpPr txBox="1">
+            <a:spLocks noGrp="1"/>
+          </p:cNvSpPr>
+          <p:nvPr>
+            <p:ph type="body" sz="half" idx="1"/>
+          </p:nvPr>
+        </p:nvSpPr>
+        <p:spPr>
+          <a:xfrm>
+            <a:off x="1206499" y="4248504"/>
+            <a:ext cx="21900623" cy="8256630"/>
+          </a:xfrm>
+          <a:prstGeom prst="rect">
+            <a:avLst/>
+          </a:prstGeom>
+        </p:spPr>
+        <p:txBody>
+          <a:bodyPr/>
+          <a:lstStyle/>
+          <a:p>
+            <a:pPr algn="l" rtl="0">
+              <a:defRPr/>
+            </a:pPr>
+            <a:r>
+              <a:rPr lang="en-US" b="0" i="0" dirty="0">
+                <a:effectLst/>
+                <a:latin typeface="Roboto" panose="02000000000000000000" pitchFamily="2" charset="0"/>
+                <a:hlinkClick r:id="rId2"/>
+              </a:rPr>
+              <a:t>Testing a REST API in Node JS with Express using Mocha and Chai</a:t>
+            </a:r>
+            <a:endParaRPr dirty="0"/>
+          </a:p>
+        </p:txBody>
+      </p:sp>
+      <p:sp>
+        <p:nvSpPr>
+          <p:cNvPr id="203" name="Slide Title"/>
+          <p:cNvSpPr txBox="1">
+            <a:spLocks noGrp="1"/>
+          </p:cNvSpPr>
+          <p:nvPr>
+            <p:ph type="title"/>
+          </p:nvPr>
+        </p:nvSpPr>
+        <p:spPr>
+          <a:xfrm>
+            <a:off x="1206499" y="1079500"/>
+            <a:ext cx="15459177" cy="1435100"/>
+          </a:xfrm>
+          <a:prstGeom prst="rect">
+            <a:avLst/>
+          </a:prstGeom>
+        </p:spPr>
+        <p:txBody>
+          <a:bodyPr>
+            <a:normAutofit/>
+          </a:bodyPr>
+          <a:lstStyle/>
+          <a:p>
+            <a:pPr algn="l" rtl="0">
+              <a:defRPr/>
+            </a:pPr>
+            <a:r>
+              <a:rPr lang="en-US" dirty="0"/>
+              <a:t>Resources</a:t>
+            </a:r>
+            <a:endParaRPr dirty="0"/>
+          </a:p>
+        </p:txBody>
+      </p:sp>
+    </p:spTree>
+    <p:extLst>
+      <p:ext uri="{BB962C8B-B14F-4D97-AF65-F5344CB8AC3E}">
+        <p14:creationId xmlns:p14="http://schemas.microsoft.com/office/powerpoint/2010/main" val="66846766"/>
       </p:ext>
     </p:extLst>
   </p:cSld>
